--- a/React/redux/redux.pptx
+++ b/React/redux/redux.pptx
@@ -14,6 +14,7 @@
     <p:sldId id="262" r:id="rId8"/>
     <p:sldId id="263" r:id="rId9"/>
     <p:sldId id="264" r:id="rId10"/>
+    <p:sldId id="265" r:id="rId11"/>
   </p:sldIdLst>
   <p:sldSz cx="12192000" cy="6858000"/>
   <p:notesSz cx="6858000" cy="9144000"/>
@@ -137,7 +138,7 @@
           <p:cNvPr id="2" name="כותרת 1">
             <a:extLst>
               <a:ext uri="{FF2B5EF4-FFF2-40B4-BE49-F238E27FC236}">
-                <a16:creationId xmlns:a16="http://schemas.microsoft.com/office/drawing/2014/main" id="{D6EB5DB1-21F9-4F56-8298-2371E5474CEF}"/>
+                <a16:creationId xmlns:a16="http://schemas.microsoft.com/office/drawing/2014/main" xmlns="" id="{D6EB5DB1-21F9-4F56-8298-2371E5474CEF}"/>
               </a:ext>
             </a:extLst>
           </p:cNvPr>
@@ -174,7 +175,7 @@
           <p:cNvPr id="3" name="כותרת משנה 2">
             <a:extLst>
               <a:ext uri="{FF2B5EF4-FFF2-40B4-BE49-F238E27FC236}">
-                <a16:creationId xmlns:a16="http://schemas.microsoft.com/office/drawing/2014/main" id="{6D3961FB-B0FA-442B-B227-85138EBEDAD5}"/>
+                <a16:creationId xmlns:a16="http://schemas.microsoft.com/office/drawing/2014/main" xmlns="" id="{6D3961FB-B0FA-442B-B227-85138EBEDAD5}"/>
               </a:ext>
             </a:extLst>
           </p:cNvPr>
@@ -244,7 +245,7 @@
           <p:cNvPr id="4" name="מציין מיקום של תאריך 3">
             <a:extLst>
               <a:ext uri="{FF2B5EF4-FFF2-40B4-BE49-F238E27FC236}">
-                <a16:creationId xmlns:a16="http://schemas.microsoft.com/office/drawing/2014/main" id="{973D5FE5-A6AA-4CA7-AA5B-A768BE4377D7}"/>
+                <a16:creationId xmlns:a16="http://schemas.microsoft.com/office/drawing/2014/main" xmlns="" id="{973D5FE5-A6AA-4CA7-AA5B-A768BE4377D7}"/>
               </a:ext>
             </a:extLst>
           </p:cNvPr>
@@ -262,7 +263,7 @@
           <a:p>
             <a:fld id="{8506FD44-C9BE-458F-A4F4-8362FA2F0B5E}" type="datetimeFigureOut">
               <a:rPr lang="en-US" smtClean="0"/>
-              <a:t>3/4/2018</a:t>
+              <a:t>3/12/2018</a:t>
             </a:fld>
             <a:endParaRPr lang="en-US"/>
           </a:p>
@@ -273,7 +274,7 @@
           <p:cNvPr id="5" name="מציין מיקום של כותרת תחתונה 4">
             <a:extLst>
               <a:ext uri="{FF2B5EF4-FFF2-40B4-BE49-F238E27FC236}">
-                <a16:creationId xmlns:a16="http://schemas.microsoft.com/office/drawing/2014/main" id="{F9766B9C-16E1-4C25-83F6-68C2DDE82A3F}"/>
+                <a16:creationId xmlns:a16="http://schemas.microsoft.com/office/drawing/2014/main" xmlns="" id="{F9766B9C-16E1-4C25-83F6-68C2DDE82A3F}"/>
               </a:ext>
             </a:extLst>
           </p:cNvPr>
@@ -298,7 +299,7 @@
           <p:cNvPr id="6" name="מציין מיקום של מספר שקופית 5">
             <a:extLst>
               <a:ext uri="{FF2B5EF4-FFF2-40B4-BE49-F238E27FC236}">
-                <a16:creationId xmlns:a16="http://schemas.microsoft.com/office/drawing/2014/main" id="{7AA397FE-1BF6-4A6F-85E7-97ED8509D6A9}"/>
+                <a16:creationId xmlns:a16="http://schemas.microsoft.com/office/drawing/2014/main" xmlns="" id="{7AA397FE-1BF6-4A6F-85E7-97ED8509D6A9}"/>
               </a:ext>
             </a:extLst>
           </p:cNvPr>
@@ -357,7 +358,7 @@
           <p:cNvPr id="2" name="כותרת 1">
             <a:extLst>
               <a:ext uri="{FF2B5EF4-FFF2-40B4-BE49-F238E27FC236}">
-                <a16:creationId xmlns:a16="http://schemas.microsoft.com/office/drawing/2014/main" id="{90F2D7C9-BD05-4C94-B1EF-2093B91A9702}"/>
+                <a16:creationId xmlns:a16="http://schemas.microsoft.com/office/drawing/2014/main" xmlns="" id="{90F2D7C9-BD05-4C94-B1EF-2093B91A9702}"/>
               </a:ext>
             </a:extLst>
           </p:cNvPr>
@@ -385,7 +386,7 @@
           <p:cNvPr id="3" name="מציין מיקום של טקסט אנכי 2">
             <a:extLst>
               <a:ext uri="{FF2B5EF4-FFF2-40B4-BE49-F238E27FC236}">
-                <a16:creationId xmlns:a16="http://schemas.microsoft.com/office/drawing/2014/main" id="{C5139244-066A-400D-9C8C-72847D344F5F}"/>
+                <a16:creationId xmlns:a16="http://schemas.microsoft.com/office/drawing/2014/main" xmlns="" id="{C5139244-066A-400D-9C8C-72847D344F5F}"/>
               </a:ext>
             </a:extLst>
           </p:cNvPr>
@@ -442,7 +443,7 @@
           <p:cNvPr id="4" name="מציין מיקום של תאריך 3">
             <a:extLst>
               <a:ext uri="{FF2B5EF4-FFF2-40B4-BE49-F238E27FC236}">
-                <a16:creationId xmlns:a16="http://schemas.microsoft.com/office/drawing/2014/main" id="{216FBB5F-4CCC-404B-9C2E-F52F8DF9E426}"/>
+                <a16:creationId xmlns:a16="http://schemas.microsoft.com/office/drawing/2014/main" xmlns="" id="{216FBB5F-4CCC-404B-9C2E-F52F8DF9E426}"/>
               </a:ext>
             </a:extLst>
           </p:cNvPr>
@@ -460,7 +461,7 @@
           <a:p>
             <a:fld id="{8506FD44-C9BE-458F-A4F4-8362FA2F0B5E}" type="datetimeFigureOut">
               <a:rPr lang="en-US" smtClean="0"/>
-              <a:t>3/4/2018</a:t>
+              <a:t>3/12/2018</a:t>
             </a:fld>
             <a:endParaRPr lang="en-US"/>
           </a:p>
@@ -471,7 +472,7 @@
           <p:cNvPr id="5" name="מציין מיקום של כותרת תחתונה 4">
             <a:extLst>
               <a:ext uri="{FF2B5EF4-FFF2-40B4-BE49-F238E27FC236}">
-                <a16:creationId xmlns:a16="http://schemas.microsoft.com/office/drawing/2014/main" id="{5A7D1203-F62F-481F-B28F-11A286E9BF1A}"/>
+                <a16:creationId xmlns:a16="http://schemas.microsoft.com/office/drawing/2014/main" xmlns="" id="{5A7D1203-F62F-481F-B28F-11A286E9BF1A}"/>
               </a:ext>
             </a:extLst>
           </p:cNvPr>
@@ -496,7 +497,7 @@
           <p:cNvPr id="6" name="מציין מיקום של מספר שקופית 5">
             <a:extLst>
               <a:ext uri="{FF2B5EF4-FFF2-40B4-BE49-F238E27FC236}">
-                <a16:creationId xmlns:a16="http://schemas.microsoft.com/office/drawing/2014/main" id="{630F1031-1FE3-4668-AD2A-778E3101CC31}"/>
+                <a16:creationId xmlns:a16="http://schemas.microsoft.com/office/drawing/2014/main" xmlns="" id="{630F1031-1FE3-4668-AD2A-778E3101CC31}"/>
               </a:ext>
             </a:extLst>
           </p:cNvPr>
@@ -555,7 +556,7 @@
           <p:cNvPr id="2" name="כותרת אנכית 1">
             <a:extLst>
               <a:ext uri="{FF2B5EF4-FFF2-40B4-BE49-F238E27FC236}">
-                <a16:creationId xmlns:a16="http://schemas.microsoft.com/office/drawing/2014/main" id="{0C481A4C-6169-4F9C-B11C-FE31CBA76D9C}"/>
+                <a16:creationId xmlns:a16="http://schemas.microsoft.com/office/drawing/2014/main" xmlns="" id="{0C481A4C-6169-4F9C-B11C-FE31CBA76D9C}"/>
               </a:ext>
             </a:extLst>
           </p:cNvPr>
@@ -588,7 +589,7 @@
           <p:cNvPr id="3" name="מציין מיקום של טקסט אנכי 2">
             <a:extLst>
               <a:ext uri="{FF2B5EF4-FFF2-40B4-BE49-F238E27FC236}">
-                <a16:creationId xmlns:a16="http://schemas.microsoft.com/office/drawing/2014/main" id="{A0381B6D-D9C3-46BC-A33F-0BC446FBD116}"/>
+                <a16:creationId xmlns:a16="http://schemas.microsoft.com/office/drawing/2014/main" xmlns="" id="{A0381B6D-D9C3-46BC-A33F-0BC446FBD116}"/>
               </a:ext>
             </a:extLst>
           </p:cNvPr>
@@ -650,7 +651,7 @@
           <p:cNvPr id="4" name="מציין מיקום של תאריך 3">
             <a:extLst>
               <a:ext uri="{FF2B5EF4-FFF2-40B4-BE49-F238E27FC236}">
-                <a16:creationId xmlns:a16="http://schemas.microsoft.com/office/drawing/2014/main" id="{31F9DE41-0023-4A83-88FB-1B691ABA9D97}"/>
+                <a16:creationId xmlns:a16="http://schemas.microsoft.com/office/drawing/2014/main" xmlns="" id="{31F9DE41-0023-4A83-88FB-1B691ABA9D97}"/>
               </a:ext>
             </a:extLst>
           </p:cNvPr>
@@ -668,7 +669,7 @@
           <a:p>
             <a:fld id="{8506FD44-C9BE-458F-A4F4-8362FA2F0B5E}" type="datetimeFigureOut">
               <a:rPr lang="en-US" smtClean="0"/>
-              <a:t>3/4/2018</a:t>
+              <a:t>3/12/2018</a:t>
             </a:fld>
             <a:endParaRPr lang="en-US"/>
           </a:p>
@@ -679,7 +680,7 @@
           <p:cNvPr id="5" name="מציין מיקום של כותרת תחתונה 4">
             <a:extLst>
               <a:ext uri="{FF2B5EF4-FFF2-40B4-BE49-F238E27FC236}">
-                <a16:creationId xmlns:a16="http://schemas.microsoft.com/office/drawing/2014/main" id="{5D81AE72-796D-4E41-BBC0-D300D9F2C8A6}"/>
+                <a16:creationId xmlns:a16="http://schemas.microsoft.com/office/drawing/2014/main" xmlns="" id="{5D81AE72-796D-4E41-BBC0-D300D9F2C8A6}"/>
               </a:ext>
             </a:extLst>
           </p:cNvPr>
@@ -704,7 +705,7 @@
           <p:cNvPr id="6" name="מציין מיקום של מספר שקופית 5">
             <a:extLst>
               <a:ext uri="{FF2B5EF4-FFF2-40B4-BE49-F238E27FC236}">
-                <a16:creationId xmlns:a16="http://schemas.microsoft.com/office/drawing/2014/main" id="{53590F31-17F9-4B12-B12B-A439E769F571}"/>
+                <a16:creationId xmlns:a16="http://schemas.microsoft.com/office/drawing/2014/main" xmlns="" id="{53590F31-17F9-4B12-B12B-A439E769F571}"/>
               </a:ext>
             </a:extLst>
           </p:cNvPr>
@@ -763,7 +764,7 @@
           <p:cNvPr id="2" name="כותרת 1">
             <a:extLst>
               <a:ext uri="{FF2B5EF4-FFF2-40B4-BE49-F238E27FC236}">
-                <a16:creationId xmlns:a16="http://schemas.microsoft.com/office/drawing/2014/main" id="{B4752F69-2209-4650-BBFF-CB3F3AA1259B}"/>
+                <a16:creationId xmlns:a16="http://schemas.microsoft.com/office/drawing/2014/main" xmlns="" id="{B4752F69-2209-4650-BBFF-CB3F3AA1259B}"/>
               </a:ext>
             </a:extLst>
           </p:cNvPr>
@@ -791,7 +792,7 @@
           <p:cNvPr id="3" name="מציין מיקום תוכן 2">
             <a:extLst>
               <a:ext uri="{FF2B5EF4-FFF2-40B4-BE49-F238E27FC236}">
-                <a16:creationId xmlns:a16="http://schemas.microsoft.com/office/drawing/2014/main" id="{8AAD75DA-D1F1-4BE6-8A84-44F76AB736E5}"/>
+                <a16:creationId xmlns:a16="http://schemas.microsoft.com/office/drawing/2014/main" xmlns="" id="{8AAD75DA-D1F1-4BE6-8A84-44F76AB736E5}"/>
               </a:ext>
             </a:extLst>
           </p:cNvPr>
@@ -848,7 +849,7 @@
           <p:cNvPr id="4" name="מציין מיקום של תאריך 3">
             <a:extLst>
               <a:ext uri="{FF2B5EF4-FFF2-40B4-BE49-F238E27FC236}">
-                <a16:creationId xmlns:a16="http://schemas.microsoft.com/office/drawing/2014/main" id="{9D5BB509-9E35-4527-A082-30FA94DB2FEB}"/>
+                <a16:creationId xmlns:a16="http://schemas.microsoft.com/office/drawing/2014/main" xmlns="" id="{9D5BB509-9E35-4527-A082-30FA94DB2FEB}"/>
               </a:ext>
             </a:extLst>
           </p:cNvPr>
@@ -866,7 +867,7 @@
           <a:p>
             <a:fld id="{8506FD44-C9BE-458F-A4F4-8362FA2F0B5E}" type="datetimeFigureOut">
               <a:rPr lang="en-US" smtClean="0"/>
-              <a:t>3/4/2018</a:t>
+              <a:t>3/12/2018</a:t>
             </a:fld>
             <a:endParaRPr lang="en-US"/>
           </a:p>
@@ -877,7 +878,7 @@
           <p:cNvPr id="5" name="מציין מיקום של כותרת תחתונה 4">
             <a:extLst>
               <a:ext uri="{FF2B5EF4-FFF2-40B4-BE49-F238E27FC236}">
-                <a16:creationId xmlns:a16="http://schemas.microsoft.com/office/drawing/2014/main" id="{9D522B3A-8BBB-43E2-857C-677484CE1309}"/>
+                <a16:creationId xmlns:a16="http://schemas.microsoft.com/office/drawing/2014/main" xmlns="" id="{9D522B3A-8BBB-43E2-857C-677484CE1309}"/>
               </a:ext>
             </a:extLst>
           </p:cNvPr>
@@ -902,7 +903,7 @@
           <p:cNvPr id="6" name="מציין מיקום של מספר שקופית 5">
             <a:extLst>
               <a:ext uri="{FF2B5EF4-FFF2-40B4-BE49-F238E27FC236}">
-                <a16:creationId xmlns:a16="http://schemas.microsoft.com/office/drawing/2014/main" id="{86E56D76-419D-407B-8FC7-C369E441DDB7}"/>
+                <a16:creationId xmlns:a16="http://schemas.microsoft.com/office/drawing/2014/main" xmlns="" id="{86E56D76-419D-407B-8FC7-C369E441DDB7}"/>
               </a:ext>
             </a:extLst>
           </p:cNvPr>
@@ -961,7 +962,7 @@
           <p:cNvPr id="2" name="כותרת 1">
             <a:extLst>
               <a:ext uri="{FF2B5EF4-FFF2-40B4-BE49-F238E27FC236}">
-                <a16:creationId xmlns:a16="http://schemas.microsoft.com/office/drawing/2014/main" id="{4EEAF128-6137-48DD-A4D0-52AFB398E051}"/>
+                <a16:creationId xmlns:a16="http://schemas.microsoft.com/office/drawing/2014/main" xmlns="" id="{4EEAF128-6137-48DD-A4D0-52AFB398E051}"/>
               </a:ext>
             </a:extLst>
           </p:cNvPr>
@@ -998,7 +999,7 @@
           <p:cNvPr id="3" name="מציין מיקום טקסט 2">
             <a:extLst>
               <a:ext uri="{FF2B5EF4-FFF2-40B4-BE49-F238E27FC236}">
-                <a16:creationId xmlns:a16="http://schemas.microsoft.com/office/drawing/2014/main" id="{372427AC-DC41-49B3-8D2B-9F78D7ECC716}"/>
+                <a16:creationId xmlns:a16="http://schemas.microsoft.com/office/drawing/2014/main" xmlns="" id="{372427AC-DC41-49B3-8D2B-9F78D7ECC716}"/>
               </a:ext>
             </a:extLst>
           </p:cNvPr>
@@ -1123,7 +1124,7 @@
           <p:cNvPr id="4" name="מציין מיקום של תאריך 3">
             <a:extLst>
               <a:ext uri="{FF2B5EF4-FFF2-40B4-BE49-F238E27FC236}">
-                <a16:creationId xmlns:a16="http://schemas.microsoft.com/office/drawing/2014/main" id="{961B768B-B9B2-4C94-81C3-285876C73ACB}"/>
+                <a16:creationId xmlns:a16="http://schemas.microsoft.com/office/drawing/2014/main" xmlns="" id="{961B768B-B9B2-4C94-81C3-285876C73ACB}"/>
               </a:ext>
             </a:extLst>
           </p:cNvPr>
@@ -1141,7 +1142,7 @@
           <a:p>
             <a:fld id="{8506FD44-C9BE-458F-A4F4-8362FA2F0B5E}" type="datetimeFigureOut">
               <a:rPr lang="en-US" smtClean="0"/>
-              <a:t>3/4/2018</a:t>
+              <a:t>3/12/2018</a:t>
             </a:fld>
             <a:endParaRPr lang="en-US"/>
           </a:p>
@@ -1152,7 +1153,7 @@
           <p:cNvPr id="5" name="מציין מיקום של כותרת תחתונה 4">
             <a:extLst>
               <a:ext uri="{FF2B5EF4-FFF2-40B4-BE49-F238E27FC236}">
-                <a16:creationId xmlns:a16="http://schemas.microsoft.com/office/drawing/2014/main" id="{21F552EA-528F-44DC-9889-94D30A3AEC10}"/>
+                <a16:creationId xmlns:a16="http://schemas.microsoft.com/office/drawing/2014/main" xmlns="" id="{21F552EA-528F-44DC-9889-94D30A3AEC10}"/>
               </a:ext>
             </a:extLst>
           </p:cNvPr>
@@ -1177,7 +1178,7 @@
           <p:cNvPr id="6" name="מציין מיקום של מספר שקופית 5">
             <a:extLst>
               <a:ext uri="{FF2B5EF4-FFF2-40B4-BE49-F238E27FC236}">
-                <a16:creationId xmlns:a16="http://schemas.microsoft.com/office/drawing/2014/main" id="{9D88B97D-30B0-48FF-BD27-52B1B732AE74}"/>
+                <a16:creationId xmlns:a16="http://schemas.microsoft.com/office/drawing/2014/main" xmlns="" id="{9D88B97D-30B0-48FF-BD27-52B1B732AE74}"/>
               </a:ext>
             </a:extLst>
           </p:cNvPr>
@@ -1236,7 +1237,7 @@
           <p:cNvPr id="2" name="כותרת 1">
             <a:extLst>
               <a:ext uri="{FF2B5EF4-FFF2-40B4-BE49-F238E27FC236}">
-                <a16:creationId xmlns:a16="http://schemas.microsoft.com/office/drawing/2014/main" id="{CC99E7DB-A72F-4913-998B-4D1F49DF4E96}"/>
+                <a16:creationId xmlns:a16="http://schemas.microsoft.com/office/drawing/2014/main" xmlns="" id="{CC99E7DB-A72F-4913-998B-4D1F49DF4E96}"/>
               </a:ext>
             </a:extLst>
           </p:cNvPr>
@@ -1264,7 +1265,7 @@
           <p:cNvPr id="3" name="מציין מיקום תוכן 2">
             <a:extLst>
               <a:ext uri="{FF2B5EF4-FFF2-40B4-BE49-F238E27FC236}">
-                <a16:creationId xmlns:a16="http://schemas.microsoft.com/office/drawing/2014/main" id="{C10328FC-59EE-46FF-AEB0-AB387C80E5AC}"/>
+                <a16:creationId xmlns:a16="http://schemas.microsoft.com/office/drawing/2014/main" xmlns="" id="{C10328FC-59EE-46FF-AEB0-AB387C80E5AC}"/>
               </a:ext>
             </a:extLst>
           </p:cNvPr>
@@ -1326,7 +1327,7 @@
           <p:cNvPr id="4" name="מציין מיקום תוכן 3">
             <a:extLst>
               <a:ext uri="{FF2B5EF4-FFF2-40B4-BE49-F238E27FC236}">
-                <a16:creationId xmlns:a16="http://schemas.microsoft.com/office/drawing/2014/main" id="{9F4F9B4D-3F3E-4228-8EAF-60C511210199}"/>
+                <a16:creationId xmlns:a16="http://schemas.microsoft.com/office/drawing/2014/main" xmlns="" id="{9F4F9B4D-3F3E-4228-8EAF-60C511210199}"/>
               </a:ext>
             </a:extLst>
           </p:cNvPr>
@@ -1388,7 +1389,7 @@
           <p:cNvPr id="5" name="מציין מיקום של תאריך 4">
             <a:extLst>
               <a:ext uri="{FF2B5EF4-FFF2-40B4-BE49-F238E27FC236}">
-                <a16:creationId xmlns:a16="http://schemas.microsoft.com/office/drawing/2014/main" id="{137C7CDF-349C-4021-BF97-23C24753F27E}"/>
+                <a16:creationId xmlns:a16="http://schemas.microsoft.com/office/drawing/2014/main" xmlns="" id="{137C7CDF-349C-4021-BF97-23C24753F27E}"/>
               </a:ext>
             </a:extLst>
           </p:cNvPr>
@@ -1406,7 +1407,7 @@
           <a:p>
             <a:fld id="{8506FD44-C9BE-458F-A4F4-8362FA2F0B5E}" type="datetimeFigureOut">
               <a:rPr lang="en-US" smtClean="0"/>
-              <a:t>3/4/2018</a:t>
+              <a:t>3/12/2018</a:t>
             </a:fld>
             <a:endParaRPr lang="en-US"/>
           </a:p>
@@ -1417,7 +1418,7 @@
           <p:cNvPr id="6" name="מציין מיקום של כותרת תחתונה 5">
             <a:extLst>
               <a:ext uri="{FF2B5EF4-FFF2-40B4-BE49-F238E27FC236}">
-                <a16:creationId xmlns:a16="http://schemas.microsoft.com/office/drawing/2014/main" id="{07F210A1-6017-4A97-BD0B-511C375F02AE}"/>
+                <a16:creationId xmlns:a16="http://schemas.microsoft.com/office/drawing/2014/main" xmlns="" id="{07F210A1-6017-4A97-BD0B-511C375F02AE}"/>
               </a:ext>
             </a:extLst>
           </p:cNvPr>
@@ -1442,7 +1443,7 @@
           <p:cNvPr id="7" name="מציין מיקום של מספר שקופית 6">
             <a:extLst>
               <a:ext uri="{FF2B5EF4-FFF2-40B4-BE49-F238E27FC236}">
-                <a16:creationId xmlns:a16="http://schemas.microsoft.com/office/drawing/2014/main" id="{E5ED0BEC-8FD4-48B2-8349-2C4B6D13C8EA}"/>
+                <a16:creationId xmlns:a16="http://schemas.microsoft.com/office/drawing/2014/main" xmlns="" id="{E5ED0BEC-8FD4-48B2-8349-2C4B6D13C8EA}"/>
               </a:ext>
             </a:extLst>
           </p:cNvPr>
@@ -1501,7 +1502,7 @@
           <p:cNvPr id="2" name="כותרת 1">
             <a:extLst>
               <a:ext uri="{FF2B5EF4-FFF2-40B4-BE49-F238E27FC236}">
-                <a16:creationId xmlns:a16="http://schemas.microsoft.com/office/drawing/2014/main" id="{EC8F90B6-4BEE-4C95-895D-6A5B05F3E8DE}"/>
+                <a16:creationId xmlns:a16="http://schemas.microsoft.com/office/drawing/2014/main" xmlns="" id="{EC8F90B6-4BEE-4C95-895D-6A5B05F3E8DE}"/>
               </a:ext>
             </a:extLst>
           </p:cNvPr>
@@ -1534,7 +1535,7 @@
           <p:cNvPr id="3" name="מציין מיקום טקסט 2">
             <a:extLst>
               <a:ext uri="{FF2B5EF4-FFF2-40B4-BE49-F238E27FC236}">
-                <a16:creationId xmlns:a16="http://schemas.microsoft.com/office/drawing/2014/main" id="{A4B7C465-F3B9-452B-AFCD-E533D30D5CB6}"/>
+                <a16:creationId xmlns:a16="http://schemas.microsoft.com/office/drawing/2014/main" xmlns="" id="{A4B7C465-F3B9-452B-AFCD-E533D30D5CB6}"/>
               </a:ext>
             </a:extLst>
           </p:cNvPr>
@@ -1605,7 +1606,7 @@
           <p:cNvPr id="4" name="מציין מיקום תוכן 3">
             <a:extLst>
               <a:ext uri="{FF2B5EF4-FFF2-40B4-BE49-F238E27FC236}">
-                <a16:creationId xmlns:a16="http://schemas.microsoft.com/office/drawing/2014/main" id="{E84C78F9-FDC7-40F7-8EA9-C8CB8818C131}"/>
+                <a16:creationId xmlns:a16="http://schemas.microsoft.com/office/drawing/2014/main" xmlns="" id="{E84C78F9-FDC7-40F7-8EA9-C8CB8818C131}"/>
               </a:ext>
             </a:extLst>
           </p:cNvPr>
@@ -1667,7 +1668,7 @@
           <p:cNvPr id="5" name="מציין מיקום טקסט 4">
             <a:extLst>
               <a:ext uri="{FF2B5EF4-FFF2-40B4-BE49-F238E27FC236}">
-                <a16:creationId xmlns:a16="http://schemas.microsoft.com/office/drawing/2014/main" id="{E5D1103C-D3D2-49D1-B1F9-C83140E48364}"/>
+                <a16:creationId xmlns:a16="http://schemas.microsoft.com/office/drawing/2014/main" xmlns="" id="{E5D1103C-D3D2-49D1-B1F9-C83140E48364}"/>
               </a:ext>
             </a:extLst>
           </p:cNvPr>
@@ -1738,7 +1739,7 @@
           <p:cNvPr id="6" name="מציין מיקום תוכן 5">
             <a:extLst>
               <a:ext uri="{FF2B5EF4-FFF2-40B4-BE49-F238E27FC236}">
-                <a16:creationId xmlns:a16="http://schemas.microsoft.com/office/drawing/2014/main" id="{9E29B48D-34DA-45DE-8CCB-E7095E100B87}"/>
+                <a16:creationId xmlns:a16="http://schemas.microsoft.com/office/drawing/2014/main" xmlns="" id="{9E29B48D-34DA-45DE-8CCB-E7095E100B87}"/>
               </a:ext>
             </a:extLst>
           </p:cNvPr>
@@ -1800,7 +1801,7 @@
           <p:cNvPr id="7" name="מציין מיקום של תאריך 6">
             <a:extLst>
               <a:ext uri="{FF2B5EF4-FFF2-40B4-BE49-F238E27FC236}">
-                <a16:creationId xmlns:a16="http://schemas.microsoft.com/office/drawing/2014/main" id="{09B91278-C3B8-4BA3-8F0D-F86B6801CE54}"/>
+                <a16:creationId xmlns:a16="http://schemas.microsoft.com/office/drawing/2014/main" xmlns="" id="{09B91278-C3B8-4BA3-8F0D-F86B6801CE54}"/>
               </a:ext>
             </a:extLst>
           </p:cNvPr>
@@ -1818,7 +1819,7 @@
           <a:p>
             <a:fld id="{8506FD44-C9BE-458F-A4F4-8362FA2F0B5E}" type="datetimeFigureOut">
               <a:rPr lang="en-US" smtClean="0"/>
-              <a:t>3/4/2018</a:t>
+              <a:t>3/12/2018</a:t>
             </a:fld>
             <a:endParaRPr lang="en-US"/>
           </a:p>
@@ -1829,7 +1830,7 @@
           <p:cNvPr id="8" name="מציין מיקום של כותרת תחתונה 7">
             <a:extLst>
               <a:ext uri="{FF2B5EF4-FFF2-40B4-BE49-F238E27FC236}">
-                <a16:creationId xmlns:a16="http://schemas.microsoft.com/office/drawing/2014/main" id="{EAF922E9-FF55-4885-8035-D3535DF962BA}"/>
+                <a16:creationId xmlns:a16="http://schemas.microsoft.com/office/drawing/2014/main" xmlns="" id="{EAF922E9-FF55-4885-8035-D3535DF962BA}"/>
               </a:ext>
             </a:extLst>
           </p:cNvPr>
@@ -1854,7 +1855,7 @@
           <p:cNvPr id="9" name="מציין מיקום של מספר שקופית 8">
             <a:extLst>
               <a:ext uri="{FF2B5EF4-FFF2-40B4-BE49-F238E27FC236}">
-                <a16:creationId xmlns:a16="http://schemas.microsoft.com/office/drawing/2014/main" id="{0267D8C7-4CA4-4F0C-BBDF-F913BE2D4D9C}"/>
+                <a16:creationId xmlns:a16="http://schemas.microsoft.com/office/drawing/2014/main" xmlns="" id="{0267D8C7-4CA4-4F0C-BBDF-F913BE2D4D9C}"/>
               </a:ext>
             </a:extLst>
           </p:cNvPr>
@@ -1913,7 +1914,7 @@
           <p:cNvPr id="2" name="כותרת 1">
             <a:extLst>
               <a:ext uri="{FF2B5EF4-FFF2-40B4-BE49-F238E27FC236}">
-                <a16:creationId xmlns:a16="http://schemas.microsoft.com/office/drawing/2014/main" id="{049373E3-1F48-4A0A-B404-AE3D3F62D8E4}"/>
+                <a16:creationId xmlns:a16="http://schemas.microsoft.com/office/drawing/2014/main" xmlns="" id="{049373E3-1F48-4A0A-B404-AE3D3F62D8E4}"/>
               </a:ext>
             </a:extLst>
           </p:cNvPr>
@@ -1941,7 +1942,7 @@
           <p:cNvPr id="3" name="מציין מיקום של תאריך 2">
             <a:extLst>
               <a:ext uri="{FF2B5EF4-FFF2-40B4-BE49-F238E27FC236}">
-                <a16:creationId xmlns:a16="http://schemas.microsoft.com/office/drawing/2014/main" id="{A35E08B6-B34F-40CC-A2E3-CC467B0E8087}"/>
+                <a16:creationId xmlns:a16="http://schemas.microsoft.com/office/drawing/2014/main" xmlns="" id="{A35E08B6-B34F-40CC-A2E3-CC467B0E8087}"/>
               </a:ext>
             </a:extLst>
           </p:cNvPr>
@@ -1959,7 +1960,7 @@
           <a:p>
             <a:fld id="{8506FD44-C9BE-458F-A4F4-8362FA2F0B5E}" type="datetimeFigureOut">
               <a:rPr lang="en-US" smtClean="0"/>
-              <a:t>3/4/2018</a:t>
+              <a:t>3/12/2018</a:t>
             </a:fld>
             <a:endParaRPr lang="en-US"/>
           </a:p>
@@ -1970,7 +1971,7 @@
           <p:cNvPr id="4" name="מציין מיקום של כותרת תחתונה 3">
             <a:extLst>
               <a:ext uri="{FF2B5EF4-FFF2-40B4-BE49-F238E27FC236}">
-                <a16:creationId xmlns:a16="http://schemas.microsoft.com/office/drawing/2014/main" id="{C9DC7644-742D-4EC1-855D-4B9921482478}"/>
+                <a16:creationId xmlns:a16="http://schemas.microsoft.com/office/drawing/2014/main" xmlns="" id="{C9DC7644-742D-4EC1-855D-4B9921482478}"/>
               </a:ext>
             </a:extLst>
           </p:cNvPr>
@@ -1995,7 +1996,7 @@
           <p:cNvPr id="5" name="מציין מיקום של מספר שקופית 4">
             <a:extLst>
               <a:ext uri="{FF2B5EF4-FFF2-40B4-BE49-F238E27FC236}">
-                <a16:creationId xmlns:a16="http://schemas.microsoft.com/office/drawing/2014/main" id="{81F62887-B026-4C47-A80B-30C41822635F}"/>
+                <a16:creationId xmlns:a16="http://schemas.microsoft.com/office/drawing/2014/main" xmlns="" id="{81F62887-B026-4C47-A80B-30C41822635F}"/>
               </a:ext>
             </a:extLst>
           </p:cNvPr>
@@ -2054,7 +2055,7 @@
           <p:cNvPr id="2" name="מציין מיקום של תאריך 1">
             <a:extLst>
               <a:ext uri="{FF2B5EF4-FFF2-40B4-BE49-F238E27FC236}">
-                <a16:creationId xmlns:a16="http://schemas.microsoft.com/office/drawing/2014/main" id="{F84A7D64-B09D-4634-BF56-9000F486D671}"/>
+                <a16:creationId xmlns:a16="http://schemas.microsoft.com/office/drawing/2014/main" xmlns="" id="{F84A7D64-B09D-4634-BF56-9000F486D671}"/>
               </a:ext>
             </a:extLst>
           </p:cNvPr>
@@ -2072,7 +2073,7 @@
           <a:p>
             <a:fld id="{8506FD44-C9BE-458F-A4F4-8362FA2F0B5E}" type="datetimeFigureOut">
               <a:rPr lang="en-US" smtClean="0"/>
-              <a:t>3/4/2018</a:t>
+              <a:t>3/12/2018</a:t>
             </a:fld>
             <a:endParaRPr lang="en-US"/>
           </a:p>
@@ -2083,7 +2084,7 @@
           <p:cNvPr id="3" name="מציין מיקום של כותרת תחתונה 2">
             <a:extLst>
               <a:ext uri="{FF2B5EF4-FFF2-40B4-BE49-F238E27FC236}">
-                <a16:creationId xmlns:a16="http://schemas.microsoft.com/office/drawing/2014/main" id="{93D2FFE0-B417-4B42-9F1D-97C15A830CB1}"/>
+                <a16:creationId xmlns:a16="http://schemas.microsoft.com/office/drawing/2014/main" xmlns="" id="{93D2FFE0-B417-4B42-9F1D-97C15A830CB1}"/>
               </a:ext>
             </a:extLst>
           </p:cNvPr>
@@ -2108,7 +2109,7 @@
           <p:cNvPr id="4" name="מציין מיקום של מספר שקופית 3">
             <a:extLst>
               <a:ext uri="{FF2B5EF4-FFF2-40B4-BE49-F238E27FC236}">
-                <a16:creationId xmlns:a16="http://schemas.microsoft.com/office/drawing/2014/main" id="{ECC2E339-7B2B-4BC9-92B9-773D1FEA9E95}"/>
+                <a16:creationId xmlns:a16="http://schemas.microsoft.com/office/drawing/2014/main" xmlns="" id="{ECC2E339-7B2B-4BC9-92B9-773D1FEA9E95}"/>
               </a:ext>
             </a:extLst>
           </p:cNvPr>
@@ -2167,7 +2168,7 @@
           <p:cNvPr id="2" name="כותרת 1">
             <a:extLst>
               <a:ext uri="{FF2B5EF4-FFF2-40B4-BE49-F238E27FC236}">
-                <a16:creationId xmlns:a16="http://schemas.microsoft.com/office/drawing/2014/main" id="{0A32375A-59B9-4EC5-82A6-8A3E6A3A8665}"/>
+                <a16:creationId xmlns:a16="http://schemas.microsoft.com/office/drawing/2014/main" xmlns="" id="{0A32375A-59B9-4EC5-82A6-8A3E6A3A8665}"/>
               </a:ext>
             </a:extLst>
           </p:cNvPr>
@@ -2204,7 +2205,7 @@
           <p:cNvPr id="3" name="מציין מיקום תוכן 2">
             <a:extLst>
               <a:ext uri="{FF2B5EF4-FFF2-40B4-BE49-F238E27FC236}">
-                <a16:creationId xmlns:a16="http://schemas.microsoft.com/office/drawing/2014/main" id="{B2C12EE3-E375-44DD-91C7-0A3F3F6CE32B}"/>
+                <a16:creationId xmlns:a16="http://schemas.microsoft.com/office/drawing/2014/main" xmlns="" id="{B2C12EE3-E375-44DD-91C7-0A3F3F6CE32B}"/>
               </a:ext>
             </a:extLst>
           </p:cNvPr>
@@ -2294,7 +2295,7 @@
           <p:cNvPr id="4" name="מציין מיקום טקסט 3">
             <a:extLst>
               <a:ext uri="{FF2B5EF4-FFF2-40B4-BE49-F238E27FC236}">
-                <a16:creationId xmlns:a16="http://schemas.microsoft.com/office/drawing/2014/main" id="{491452B5-6429-4DCA-B0B4-CE521E5F4894}"/>
+                <a16:creationId xmlns:a16="http://schemas.microsoft.com/office/drawing/2014/main" xmlns="" id="{491452B5-6429-4DCA-B0B4-CE521E5F4894}"/>
               </a:ext>
             </a:extLst>
           </p:cNvPr>
@@ -2365,7 +2366,7 @@
           <p:cNvPr id="5" name="מציין מיקום של תאריך 4">
             <a:extLst>
               <a:ext uri="{FF2B5EF4-FFF2-40B4-BE49-F238E27FC236}">
-                <a16:creationId xmlns:a16="http://schemas.microsoft.com/office/drawing/2014/main" id="{0F5E7975-6719-4197-8CA7-27B384D02D67}"/>
+                <a16:creationId xmlns:a16="http://schemas.microsoft.com/office/drawing/2014/main" xmlns="" id="{0F5E7975-6719-4197-8CA7-27B384D02D67}"/>
               </a:ext>
             </a:extLst>
           </p:cNvPr>
@@ -2383,7 +2384,7 @@
           <a:p>
             <a:fld id="{8506FD44-C9BE-458F-A4F4-8362FA2F0B5E}" type="datetimeFigureOut">
               <a:rPr lang="en-US" smtClean="0"/>
-              <a:t>3/4/2018</a:t>
+              <a:t>3/12/2018</a:t>
             </a:fld>
             <a:endParaRPr lang="en-US"/>
           </a:p>
@@ -2394,7 +2395,7 @@
           <p:cNvPr id="6" name="מציין מיקום של כותרת תחתונה 5">
             <a:extLst>
               <a:ext uri="{FF2B5EF4-FFF2-40B4-BE49-F238E27FC236}">
-                <a16:creationId xmlns:a16="http://schemas.microsoft.com/office/drawing/2014/main" id="{8354E087-511D-41FE-9DC9-EF8939264488}"/>
+                <a16:creationId xmlns:a16="http://schemas.microsoft.com/office/drawing/2014/main" xmlns="" id="{8354E087-511D-41FE-9DC9-EF8939264488}"/>
               </a:ext>
             </a:extLst>
           </p:cNvPr>
@@ -2419,7 +2420,7 @@
           <p:cNvPr id="7" name="מציין מיקום של מספר שקופית 6">
             <a:extLst>
               <a:ext uri="{FF2B5EF4-FFF2-40B4-BE49-F238E27FC236}">
-                <a16:creationId xmlns:a16="http://schemas.microsoft.com/office/drawing/2014/main" id="{AA7AB598-79CE-4FA1-BD48-FC1D1FACB4EF}"/>
+                <a16:creationId xmlns:a16="http://schemas.microsoft.com/office/drawing/2014/main" xmlns="" id="{AA7AB598-79CE-4FA1-BD48-FC1D1FACB4EF}"/>
               </a:ext>
             </a:extLst>
           </p:cNvPr>
@@ -2478,7 +2479,7 @@
           <p:cNvPr id="2" name="כותרת 1">
             <a:extLst>
               <a:ext uri="{FF2B5EF4-FFF2-40B4-BE49-F238E27FC236}">
-                <a16:creationId xmlns:a16="http://schemas.microsoft.com/office/drawing/2014/main" id="{62FBA61F-09F5-479B-925E-352534B2B2B6}"/>
+                <a16:creationId xmlns:a16="http://schemas.microsoft.com/office/drawing/2014/main" xmlns="" id="{62FBA61F-09F5-479B-925E-352534B2B2B6}"/>
               </a:ext>
             </a:extLst>
           </p:cNvPr>
@@ -2515,7 +2516,7 @@
           <p:cNvPr id="3" name="מציין מיקום של תמונה 2">
             <a:extLst>
               <a:ext uri="{FF2B5EF4-FFF2-40B4-BE49-F238E27FC236}">
-                <a16:creationId xmlns:a16="http://schemas.microsoft.com/office/drawing/2014/main" id="{EEB5A2AC-8154-4BF6-8ACF-9001CAF2E47D}"/>
+                <a16:creationId xmlns:a16="http://schemas.microsoft.com/office/drawing/2014/main" xmlns="" id="{EEB5A2AC-8154-4BF6-8ACF-9001CAF2E47D}"/>
               </a:ext>
             </a:extLst>
           </p:cNvPr>
@@ -2585,7 +2586,7 @@
           <p:cNvPr id="4" name="מציין מיקום טקסט 3">
             <a:extLst>
               <a:ext uri="{FF2B5EF4-FFF2-40B4-BE49-F238E27FC236}">
-                <a16:creationId xmlns:a16="http://schemas.microsoft.com/office/drawing/2014/main" id="{B75F5697-4C6A-4635-8136-188C817D6233}"/>
+                <a16:creationId xmlns:a16="http://schemas.microsoft.com/office/drawing/2014/main" xmlns="" id="{B75F5697-4C6A-4635-8136-188C817D6233}"/>
               </a:ext>
             </a:extLst>
           </p:cNvPr>
@@ -2656,7 +2657,7 @@
           <p:cNvPr id="5" name="מציין מיקום של תאריך 4">
             <a:extLst>
               <a:ext uri="{FF2B5EF4-FFF2-40B4-BE49-F238E27FC236}">
-                <a16:creationId xmlns:a16="http://schemas.microsoft.com/office/drawing/2014/main" id="{49480A56-8825-45BE-AF46-DA565867099A}"/>
+                <a16:creationId xmlns:a16="http://schemas.microsoft.com/office/drawing/2014/main" xmlns="" id="{49480A56-8825-45BE-AF46-DA565867099A}"/>
               </a:ext>
             </a:extLst>
           </p:cNvPr>
@@ -2674,7 +2675,7 @@
           <a:p>
             <a:fld id="{8506FD44-C9BE-458F-A4F4-8362FA2F0B5E}" type="datetimeFigureOut">
               <a:rPr lang="en-US" smtClean="0"/>
-              <a:t>3/4/2018</a:t>
+              <a:t>3/12/2018</a:t>
             </a:fld>
             <a:endParaRPr lang="en-US"/>
           </a:p>
@@ -2685,7 +2686,7 @@
           <p:cNvPr id="6" name="מציין מיקום של כותרת תחתונה 5">
             <a:extLst>
               <a:ext uri="{FF2B5EF4-FFF2-40B4-BE49-F238E27FC236}">
-                <a16:creationId xmlns:a16="http://schemas.microsoft.com/office/drawing/2014/main" id="{D81CCDC6-62A5-4305-B6B0-98D4068C83FF}"/>
+                <a16:creationId xmlns:a16="http://schemas.microsoft.com/office/drawing/2014/main" xmlns="" id="{D81CCDC6-62A5-4305-B6B0-98D4068C83FF}"/>
               </a:ext>
             </a:extLst>
           </p:cNvPr>
@@ -2710,7 +2711,7 @@
           <p:cNvPr id="7" name="מציין מיקום של מספר שקופית 6">
             <a:extLst>
               <a:ext uri="{FF2B5EF4-FFF2-40B4-BE49-F238E27FC236}">
-                <a16:creationId xmlns:a16="http://schemas.microsoft.com/office/drawing/2014/main" id="{698DA15D-EBA3-4A9F-BCC6-887B1653F9E4}"/>
+                <a16:creationId xmlns:a16="http://schemas.microsoft.com/office/drawing/2014/main" xmlns="" id="{698DA15D-EBA3-4A9F-BCC6-887B1653F9E4}"/>
               </a:ext>
             </a:extLst>
           </p:cNvPr>
@@ -2797,7 +2798,7 @@
           <p:cNvPr id="2" name="מציין מיקום של כותרת 1">
             <a:extLst>
               <a:ext uri="{FF2B5EF4-FFF2-40B4-BE49-F238E27FC236}">
-                <a16:creationId xmlns:a16="http://schemas.microsoft.com/office/drawing/2014/main" id="{B6557085-C25B-4B6A-8726-FE514017BE6E}"/>
+                <a16:creationId xmlns:a16="http://schemas.microsoft.com/office/drawing/2014/main" xmlns="" id="{B6557085-C25B-4B6A-8726-FE514017BE6E}"/>
               </a:ext>
             </a:extLst>
           </p:cNvPr>
@@ -2835,7 +2836,7 @@
           <p:cNvPr id="3" name="מציין מיקום טקסט 2">
             <a:extLst>
               <a:ext uri="{FF2B5EF4-FFF2-40B4-BE49-F238E27FC236}">
-                <a16:creationId xmlns:a16="http://schemas.microsoft.com/office/drawing/2014/main" id="{AFB17BE2-7CEB-4ADE-B875-B743641241AD}"/>
+                <a16:creationId xmlns:a16="http://schemas.microsoft.com/office/drawing/2014/main" xmlns="" id="{AFB17BE2-7CEB-4ADE-B875-B743641241AD}"/>
               </a:ext>
             </a:extLst>
           </p:cNvPr>
@@ -2902,7 +2903,7 @@
           <p:cNvPr id="4" name="מציין מיקום של תאריך 3">
             <a:extLst>
               <a:ext uri="{FF2B5EF4-FFF2-40B4-BE49-F238E27FC236}">
-                <a16:creationId xmlns:a16="http://schemas.microsoft.com/office/drawing/2014/main" id="{E25025CE-F04F-4E29-A1B2-DCB43E710553}"/>
+                <a16:creationId xmlns:a16="http://schemas.microsoft.com/office/drawing/2014/main" xmlns="" id="{E25025CE-F04F-4E29-A1B2-DCB43E710553}"/>
               </a:ext>
             </a:extLst>
           </p:cNvPr>
@@ -2938,7 +2939,7 @@
           <a:p>
             <a:fld id="{8506FD44-C9BE-458F-A4F4-8362FA2F0B5E}" type="datetimeFigureOut">
               <a:rPr lang="en-US" smtClean="0"/>
-              <a:t>3/4/2018</a:t>
+              <a:t>3/12/2018</a:t>
             </a:fld>
             <a:endParaRPr lang="en-US"/>
           </a:p>
@@ -2949,7 +2950,7 @@
           <p:cNvPr id="5" name="מציין מיקום של כותרת תחתונה 4">
             <a:extLst>
               <a:ext uri="{FF2B5EF4-FFF2-40B4-BE49-F238E27FC236}">
-                <a16:creationId xmlns:a16="http://schemas.microsoft.com/office/drawing/2014/main" id="{728C9615-DDCC-4F40-934F-34401C545BB2}"/>
+                <a16:creationId xmlns:a16="http://schemas.microsoft.com/office/drawing/2014/main" xmlns="" id="{728C9615-DDCC-4F40-934F-34401C545BB2}"/>
               </a:ext>
             </a:extLst>
           </p:cNvPr>
@@ -2992,7 +2993,7 @@
           <p:cNvPr id="6" name="מציין מיקום של מספר שקופית 5">
             <a:extLst>
               <a:ext uri="{FF2B5EF4-FFF2-40B4-BE49-F238E27FC236}">
-                <a16:creationId xmlns:a16="http://schemas.microsoft.com/office/drawing/2014/main" id="{241AF081-88A3-4BB0-8F5E-7436AF6F908C}"/>
+                <a16:creationId xmlns:a16="http://schemas.microsoft.com/office/drawing/2014/main" xmlns="" id="{241AF081-88A3-4BB0-8F5E-7436AF6F908C}"/>
               </a:ext>
             </a:extLst>
           </p:cNvPr>
@@ -3360,7 +3361,7 @@
           <p:cNvPr id="2" name="כותרת 1">
             <a:extLst>
               <a:ext uri="{FF2B5EF4-FFF2-40B4-BE49-F238E27FC236}">
-                <a16:creationId xmlns:a16="http://schemas.microsoft.com/office/drawing/2014/main" id="{2927DDB6-D16B-4FC6-B8E3-70FDF4EC8822}"/>
+                <a16:creationId xmlns:a16="http://schemas.microsoft.com/office/drawing/2014/main" xmlns="" id="{2927DDB6-D16B-4FC6-B8E3-70FDF4EC8822}"/>
               </a:ext>
             </a:extLst>
           </p:cNvPr>
@@ -3393,6 +3394,897 @@
   <p:clrMapOvr>
     <a:masterClrMapping/>
   </p:clrMapOvr>
+</p:sld>
+</file>
+
+<file path=ppt/slides/slide10.xml><?xml version="1.0" encoding="utf-8"?>
+<p:sld xmlns:a="http://schemas.openxmlformats.org/drawingml/2006/main" xmlns:r="http://schemas.openxmlformats.org/officeDocument/2006/relationships" xmlns:p="http://schemas.openxmlformats.org/presentationml/2006/main">
+  <p:cSld>
+    <p:spTree>
+      <p:nvGrpSpPr>
+        <p:cNvPr id="1" name=""/>
+        <p:cNvGrpSpPr/>
+        <p:nvPr/>
+      </p:nvGrpSpPr>
+      <p:grpSpPr>
+        <a:xfrm>
+          <a:off x="0" y="0"/>
+          <a:ext cx="0" cy="0"/>
+          <a:chOff x="0" y="0"/>
+          <a:chExt cx="0" cy="0"/>
+        </a:xfrm>
+      </p:grpSpPr>
+      <p:sp>
+        <p:nvSpPr>
+          <p:cNvPr id="2" name="כותרת 1">
+            <a:extLst>
+              <a:ext uri="{FF2B5EF4-FFF2-40B4-BE49-F238E27FC236}">
+                <a16:creationId xmlns:a16="http://schemas.microsoft.com/office/drawing/2014/main" xmlns="" id="{FC51E75D-F8CF-4C39-BF89-45E790B7CCAE}"/>
+              </a:ext>
+            </a:extLst>
+          </p:cNvPr>
+          <p:cNvSpPr>
+            <a:spLocks noGrp="1"/>
+          </p:cNvSpPr>
+          <p:nvPr>
+            <p:ph type="title"/>
+          </p:nvPr>
+        </p:nvSpPr>
+        <p:spPr>
+          <a:xfrm>
+            <a:off x="126121" y="317829"/>
+            <a:ext cx="10515600" cy="1325563"/>
+          </a:xfrm>
+        </p:spPr>
+        <p:txBody>
+          <a:bodyPr/>
+          <a:lstStyle/>
+          <a:p>
+            <a:pPr algn="l" rtl="0"/>
+            <a:r>
+              <a:rPr lang="en-US" dirty="0" smtClean="0"/>
+              <a:t>React-Redux</a:t>
+            </a:r>
+            <a:endParaRPr lang="en-US" dirty="0"/>
+          </a:p>
+        </p:txBody>
+      </p:sp>
+      <p:pic>
+        <p:nvPicPr>
+          <p:cNvPr id="1026" name="Picture 2"/>
+          <p:cNvPicPr>
+            <a:picLocks noChangeAspect="1" noChangeArrowheads="1"/>
+          </p:cNvPicPr>
+          <p:nvPr/>
+        </p:nvPicPr>
+        <p:blipFill rotWithShape="1">
+          <a:blip r:embed="rId2">
+            <a:extLst>
+              <a:ext uri="{28A0092B-C50C-407E-A947-70E740481C1C}">
+                <a14:useLocalDpi xmlns:a14="http://schemas.microsoft.com/office/drawing/2010/main" val="0"/>
+              </a:ext>
+            </a:extLst>
+          </a:blip>
+          <a:srcRect l="28965" t="40828" r="33990" b="45300"/>
+          <a:stretch/>
+        </p:blipFill>
+        <p:spPr bwMode="auto">
+          <a:xfrm>
+            <a:off x="3862552" y="583324"/>
+            <a:ext cx="5927835" cy="1387366"/>
+          </a:xfrm>
+          <a:prstGeom prst="rect">
+            <a:avLst/>
+          </a:prstGeom>
+          <a:noFill/>
+          <a:ln>
+            <a:noFill/>
+          </a:ln>
+          <a:extLst>
+            <a:ext uri="{909E8E84-426E-40DD-AFC4-6F175D3DCCD1}">
+              <a14:hiddenFill xmlns:a14="http://schemas.microsoft.com/office/drawing/2010/main">
+                <a:solidFill>
+                  <a:schemeClr val="accent1"/>
+                </a:solidFill>
+              </a14:hiddenFill>
+            </a:ext>
+            <a:ext uri="{91240B29-F687-4F45-9708-019B960494DF}">
+              <a14:hiddenLine xmlns:a14="http://schemas.microsoft.com/office/drawing/2010/main" w="9525">
+                <a:solidFill>
+                  <a:schemeClr val="tx1"/>
+                </a:solidFill>
+                <a:miter lim="800000"/>
+                <a:headEnd/>
+                <a:tailEnd/>
+              </a14:hiddenLine>
+            </a:ext>
+          </a:extLst>
+        </p:spPr>
+      </p:pic>
+      <p:pic>
+        <p:nvPicPr>
+          <p:cNvPr id="1027" name="Picture 3"/>
+          <p:cNvPicPr>
+            <a:picLocks noChangeAspect="1" noChangeArrowheads="1"/>
+          </p:cNvPicPr>
+          <p:nvPr/>
+        </p:nvPicPr>
+        <p:blipFill rotWithShape="1">
+          <a:blip r:embed="rId3">
+            <a:extLst>
+              <a:ext uri="{28A0092B-C50C-407E-A947-70E740481C1C}">
+                <a14:useLocalDpi xmlns:a14="http://schemas.microsoft.com/office/drawing/2010/main" val="0"/>
+              </a:ext>
+            </a:extLst>
+          </a:blip>
+          <a:srcRect l="28851" t="64108" r="31642" b="19182"/>
+          <a:stretch/>
+        </p:blipFill>
+        <p:spPr bwMode="auto">
+          <a:xfrm>
+            <a:off x="204951" y="2846639"/>
+            <a:ext cx="5155326" cy="1362755"/>
+          </a:xfrm>
+          <a:prstGeom prst="rect">
+            <a:avLst/>
+          </a:prstGeom>
+          <a:noFill/>
+          <a:ln>
+            <a:noFill/>
+          </a:ln>
+          <a:extLst>
+            <a:ext uri="{909E8E84-426E-40DD-AFC4-6F175D3DCCD1}">
+              <a14:hiddenFill xmlns:a14="http://schemas.microsoft.com/office/drawing/2010/main">
+                <a:solidFill>
+                  <a:schemeClr val="accent1"/>
+                </a:solidFill>
+              </a14:hiddenFill>
+            </a:ext>
+            <a:ext uri="{91240B29-F687-4F45-9708-019B960494DF}">
+              <a14:hiddenLine xmlns:a14="http://schemas.microsoft.com/office/drawing/2010/main" w="9525">
+                <a:solidFill>
+                  <a:schemeClr val="tx1"/>
+                </a:solidFill>
+                <a:miter lim="800000"/>
+                <a:headEnd/>
+                <a:tailEnd/>
+              </a14:hiddenLine>
+            </a:ext>
+          </a:extLst>
+        </p:spPr>
+      </p:pic>
+      <p:pic>
+        <p:nvPicPr>
+          <p:cNvPr id="1028" name="Picture 4"/>
+          <p:cNvPicPr>
+            <a:picLocks noChangeAspect="1" noChangeArrowheads="1"/>
+          </p:cNvPicPr>
+          <p:nvPr/>
+        </p:nvPicPr>
+        <p:blipFill rotWithShape="1">
+          <a:blip r:embed="rId4">
+            <a:extLst>
+              <a:ext uri="{28A0092B-C50C-407E-A947-70E740481C1C}">
+                <a14:useLocalDpi xmlns:a14="http://schemas.microsoft.com/office/drawing/2010/main" val="0"/>
+              </a:ext>
+            </a:extLst>
+          </a:blip>
+          <a:srcRect l="28358" t="39675" r="23169" b="36207"/>
+          <a:stretch/>
+        </p:blipFill>
+        <p:spPr bwMode="auto">
+          <a:xfrm>
+            <a:off x="6274676" y="2731329"/>
+            <a:ext cx="5123793" cy="1593374"/>
+          </a:xfrm>
+          <a:prstGeom prst="rect">
+            <a:avLst/>
+          </a:prstGeom>
+          <a:noFill/>
+          <a:ln>
+            <a:noFill/>
+          </a:ln>
+          <a:extLst>
+            <a:ext uri="{909E8E84-426E-40DD-AFC4-6F175D3DCCD1}">
+              <a14:hiddenFill xmlns:a14="http://schemas.microsoft.com/office/drawing/2010/main">
+                <a:solidFill>
+                  <a:schemeClr val="accent1"/>
+                </a:solidFill>
+              </a14:hiddenFill>
+            </a:ext>
+            <a:ext uri="{91240B29-F687-4F45-9708-019B960494DF}">
+              <a14:hiddenLine xmlns:a14="http://schemas.microsoft.com/office/drawing/2010/main" w="9525">
+                <a:solidFill>
+                  <a:schemeClr val="tx1"/>
+                </a:solidFill>
+                <a:miter lim="800000"/>
+                <a:headEnd/>
+                <a:tailEnd/>
+              </a14:hiddenLine>
+            </a:ext>
+          </a:extLst>
+        </p:spPr>
+      </p:pic>
+      <p:sp>
+        <p:nvSpPr>
+          <p:cNvPr id="3" name="Rectangle 2"/>
+          <p:cNvSpPr/>
+          <p:nvPr/>
+        </p:nvSpPr>
+        <p:spPr>
+          <a:xfrm>
+            <a:off x="4351283" y="5289331"/>
+            <a:ext cx="4233041" cy="780393"/>
+          </a:xfrm>
+          <a:prstGeom prst="rect">
+            <a:avLst/>
+          </a:prstGeom>
+        </p:spPr>
+        <p:style>
+          <a:lnRef idx="2">
+            <a:schemeClr val="accent1">
+              <a:shade val="50000"/>
+            </a:schemeClr>
+          </a:lnRef>
+          <a:fillRef idx="1">
+            <a:schemeClr val="accent1"/>
+          </a:fillRef>
+          <a:effectRef idx="0">
+            <a:schemeClr val="accent1"/>
+          </a:effectRef>
+          <a:fontRef idx="minor">
+            <a:schemeClr val="lt1"/>
+          </a:fontRef>
+        </p:style>
+        <p:txBody>
+          <a:bodyPr rtlCol="0" anchor="ctr"/>
+          <a:lstStyle/>
+          <a:p>
+            <a:pPr algn="ctr"/>
+            <a:r>
+              <a:rPr lang="en-US" dirty="0" smtClean="0"/>
+              <a:t>Component</a:t>
+            </a:r>
+            <a:endParaRPr lang="en-US" dirty="0"/>
+          </a:p>
+        </p:txBody>
+      </p:sp>
+      <p:sp>
+        <p:nvSpPr>
+          <p:cNvPr id="4" name="Freeform 3"/>
+          <p:cNvSpPr/>
+          <p:nvPr/>
+        </p:nvSpPr>
+        <p:spPr>
+          <a:xfrm>
+            <a:off x="2806262" y="1954924"/>
+            <a:ext cx="1828800" cy="867104"/>
+          </a:xfrm>
+          <a:custGeom>
+            <a:avLst/>
+            <a:gdLst>
+              <a:gd name="connsiteX0" fmla="*/ 1828800 w 1828800"/>
+              <a:gd name="connsiteY0" fmla="*/ 0 h 867104"/>
+              <a:gd name="connsiteX1" fmla="*/ 599090 w 1828800"/>
+              <a:gd name="connsiteY1" fmla="*/ 268014 h 867104"/>
+              <a:gd name="connsiteX2" fmla="*/ 0 w 1828800"/>
+              <a:gd name="connsiteY2" fmla="*/ 867104 h 867104"/>
+            </a:gdLst>
+            <a:ahLst/>
+            <a:cxnLst>
+              <a:cxn ang="0">
+                <a:pos x="connsiteX0" y="connsiteY0"/>
+              </a:cxn>
+              <a:cxn ang="0">
+                <a:pos x="connsiteX1" y="connsiteY1"/>
+              </a:cxn>
+              <a:cxn ang="0">
+                <a:pos x="connsiteX2" y="connsiteY2"/>
+              </a:cxn>
+            </a:cxnLst>
+            <a:rect l="l" t="t" r="r" b="b"/>
+            <a:pathLst>
+              <a:path w="1828800" h="867104">
+                <a:moveTo>
+                  <a:pt x="1828800" y="0"/>
+                </a:moveTo>
+                <a:cubicBezTo>
+                  <a:pt x="1366345" y="61748"/>
+                  <a:pt x="903890" y="123497"/>
+                  <a:pt x="599090" y="268014"/>
+                </a:cubicBezTo>
+                <a:cubicBezTo>
+                  <a:pt x="294290" y="412531"/>
+                  <a:pt x="147145" y="639817"/>
+                  <a:pt x="0" y="867104"/>
+                </a:cubicBezTo>
+              </a:path>
+            </a:pathLst>
+          </a:custGeom>
+          <a:noFill/>
+          <a:ln>
+            <a:solidFill>
+              <a:schemeClr val="bg1"/>
+            </a:solidFill>
+            <a:prstDash val="dash"/>
+            <a:headEnd type="none" w="med" len="med"/>
+            <a:tailEnd type="arrow" w="med" len="med"/>
+          </a:ln>
+        </p:spPr>
+        <p:style>
+          <a:lnRef idx="2">
+            <a:schemeClr val="accent1">
+              <a:shade val="50000"/>
+            </a:schemeClr>
+          </a:lnRef>
+          <a:fillRef idx="1">
+            <a:schemeClr val="accent1"/>
+          </a:fillRef>
+          <a:effectRef idx="0">
+            <a:schemeClr val="accent1"/>
+          </a:effectRef>
+          <a:fontRef idx="minor">
+            <a:schemeClr val="lt1"/>
+          </a:fontRef>
+        </p:style>
+        <p:txBody>
+          <a:bodyPr rtlCol="0" anchor="ctr"/>
+          <a:lstStyle/>
+          <a:p>
+            <a:pPr algn="ctr"/>
+            <a:endParaRPr lang="en-US"/>
+          </a:p>
+        </p:txBody>
+      </p:sp>
+      <p:sp>
+        <p:nvSpPr>
+          <p:cNvPr id="10" name="Freeform 9"/>
+          <p:cNvSpPr/>
+          <p:nvPr/>
+        </p:nvSpPr>
+        <p:spPr>
+          <a:xfrm>
+            <a:off x="2885090" y="4193628"/>
+            <a:ext cx="3464956" cy="1087820"/>
+          </a:xfrm>
+          <a:custGeom>
+            <a:avLst/>
+            <a:gdLst>
+              <a:gd name="connsiteX0" fmla="*/ 0 w 3464956"/>
+              <a:gd name="connsiteY0" fmla="*/ 0 h 1087820"/>
+              <a:gd name="connsiteX1" fmla="*/ 1418896 w 3464956"/>
+              <a:gd name="connsiteY1" fmla="*/ 441434 h 1087820"/>
+              <a:gd name="connsiteX2" fmla="*/ 3216165 w 3464956"/>
+              <a:gd name="connsiteY2" fmla="*/ 740979 h 1087820"/>
+              <a:gd name="connsiteX3" fmla="*/ 3405351 w 3464956"/>
+              <a:gd name="connsiteY3" fmla="*/ 1087820 h 1087820"/>
+            </a:gdLst>
+            <a:ahLst/>
+            <a:cxnLst>
+              <a:cxn ang="0">
+                <a:pos x="connsiteX0" y="connsiteY0"/>
+              </a:cxn>
+              <a:cxn ang="0">
+                <a:pos x="connsiteX1" y="connsiteY1"/>
+              </a:cxn>
+              <a:cxn ang="0">
+                <a:pos x="connsiteX2" y="connsiteY2"/>
+              </a:cxn>
+              <a:cxn ang="0">
+                <a:pos x="connsiteX3" y="connsiteY3"/>
+              </a:cxn>
+            </a:cxnLst>
+            <a:rect l="l" t="t" r="r" b="b"/>
+            <a:pathLst>
+              <a:path w="3464956" h="1087820">
+                <a:moveTo>
+                  <a:pt x="0" y="0"/>
+                </a:moveTo>
+                <a:cubicBezTo>
+                  <a:pt x="441434" y="158969"/>
+                  <a:pt x="882869" y="317938"/>
+                  <a:pt x="1418896" y="441434"/>
+                </a:cubicBezTo>
+                <a:cubicBezTo>
+                  <a:pt x="1954924" y="564931"/>
+                  <a:pt x="2885089" y="633248"/>
+                  <a:pt x="3216165" y="740979"/>
+                </a:cubicBezTo>
+                <a:cubicBezTo>
+                  <a:pt x="3547241" y="848710"/>
+                  <a:pt x="3476296" y="968265"/>
+                  <a:pt x="3405351" y="1087820"/>
+                </a:cubicBezTo>
+              </a:path>
+            </a:pathLst>
+          </a:custGeom>
+          <a:noFill/>
+          <a:ln>
+            <a:solidFill>
+              <a:schemeClr val="bg1"/>
+            </a:solidFill>
+            <a:prstDash val="dash"/>
+            <a:headEnd type="none" w="med" len="med"/>
+            <a:tailEnd type="arrow" w="med" len="med"/>
+          </a:ln>
+        </p:spPr>
+        <p:style>
+          <a:lnRef idx="2">
+            <a:schemeClr val="accent1">
+              <a:shade val="50000"/>
+            </a:schemeClr>
+          </a:lnRef>
+          <a:fillRef idx="1">
+            <a:schemeClr val="accent1"/>
+          </a:fillRef>
+          <a:effectRef idx="0">
+            <a:schemeClr val="accent1"/>
+          </a:effectRef>
+          <a:fontRef idx="minor">
+            <a:schemeClr val="lt1"/>
+          </a:fontRef>
+        </p:style>
+        <p:txBody>
+          <a:bodyPr rtlCol="0" anchor="ctr"/>
+          <a:lstStyle/>
+          <a:p>
+            <a:pPr algn="ctr"/>
+            <a:endParaRPr lang="en-US"/>
+          </a:p>
+        </p:txBody>
+      </p:sp>
+      <p:sp>
+        <p:nvSpPr>
+          <p:cNvPr id="15" name="Freeform 14"/>
+          <p:cNvSpPr/>
+          <p:nvPr/>
+        </p:nvSpPr>
+        <p:spPr>
+          <a:xfrm>
+            <a:off x="6479628" y="4303986"/>
+            <a:ext cx="1891862" cy="930166"/>
+          </a:xfrm>
+          <a:custGeom>
+            <a:avLst/>
+            <a:gdLst>
+              <a:gd name="connsiteX0" fmla="*/ 0 w 1891862"/>
+              <a:gd name="connsiteY0" fmla="*/ 930166 h 930166"/>
+              <a:gd name="connsiteX1" fmla="*/ 599089 w 1891862"/>
+              <a:gd name="connsiteY1" fmla="*/ 472966 h 930166"/>
+              <a:gd name="connsiteX2" fmla="*/ 1418896 w 1891862"/>
+              <a:gd name="connsiteY2" fmla="*/ 378373 h 930166"/>
+              <a:gd name="connsiteX3" fmla="*/ 1891862 w 1891862"/>
+              <a:gd name="connsiteY3" fmla="*/ 0 h 930166"/>
+            </a:gdLst>
+            <a:ahLst/>
+            <a:cxnLst>
+              <a:cxn ang="0">
+                <a:pos x="connsiteX0" y="connsiteY0"/>
+              </a:cxn>
+              <a:cxn ang="0">
+                <a:pos x="connsiteX1" y="connsiteY1"/>
+              </a:cxn>
+              <a:cxn ang="0">
+                <a:pos x="connsiteX2" y="connsiteY2"/>
+              </a:cxn>
+              <a:cxn ang="0">
+                <a:pos x="connsiteX3" y="connsiteY3"/>
+              </a:cxn>
+            </a:cxnLst>
+            <a:rect l="l" t="t" r="r" b="b"/>
+            <a:pathLst>
+              <a:path w="1891862" h="930166">
+                <a:moveTo>
+                  <a:pt x="0" y="930166"/>
+                </a:moveTo>
+                <a:cubicBezTo>
+                  <a:pt x="181303" y="747548"/>
+                  <a:pt x="362606" y="564931"/>
+                  <a:pt x="599089" y="472966"/>
+                </a:cubicBezTo>
+                <a:cubicBezTo>
+                  <a:pt x="835572" y="381001"/>
+                  <a:pt x="1203434" y="457201"/>
+                  <a:pt x="1418896" y="378373"/>
+                </a:cubicBezTo>
+                <a:cubicBezTo>
+                  <a:pt x="1634358" y="299545"/>
+                  <a:pt x="1763110" y="149772"/>
+                  <a:pt x="1891862" y="0"/>
+                </a:cubicBezTo>
+              </a:path>
+            </a:pathLst>
+          </a:custGeom>
+          <a:noFill/>
+          <a:ln>
+            <a:solidFill>
+              <a:schemeClr val="bg1"/>
+            </a:solidFill>
+            <a:prstDash val="dash"/>
+            <a:headEnd type="none" w="med" len="med"/>
+            <a:tailEnd type="arrow" w="med" len="med"/>
+          </a:ln>
+        </p:spPr>
+        <p:style>
+          <a:lnRef idx="2">
+            <a:schemeClr val="accent1">
+              <a:shade val="50000"/>
+            </a:schemeClr>
+          </a:lnRef>
+          <a:fillRef idx="1">
+            <a:schemeClr val="accent1"/>
+          </a:fillRef>
+          <a:effectRef idx="0">
+            <a:schemeClr val="accent1"/>
+          </a:effectRef>
+          <a:fontRef idx="minor">
+            <a:schemeClr val="lt1"/>
+          </a:fontRef>
+        </p:style>
+        <p:txBody>
+          <a:bodyPr rtlCol="0" anchor="ctr"/>
+          <a:lstStyle/>
+          <a:p>
+            <a:pPr algn="ctr"/>
+            <a:endParaRPr lang="en-US"/>
+          </a:p>
+        </p:txBody>
+      </p:sp>
+      <p:sp>
+        <p:nvSpPr>
+          <p:cNvPr id="16" name="Freeform 15"/>
+          <p:cNvSpPr/>
+          <p:nvPr/>
+        </p:nvSpPr>
+        <p:spPr>
+          <a:xfrm>
+            <a:off x="6984124" y="1954924"/>
+            <a:ext cx="1450428" cy="804042"/>
+          </a:xfrm>
+          <a:custGeom>
+            <a:avLst/>
+            <a:gdLst>
+              <a:gd name="connsiteX0" fmla="*/ 1450428 w 1450428"/>
+              <a:gd name="connsiteY0" fmla="*/ 804042 h 804042"/>
+              <a:gd name="connsiteX1" fmla="*/ 1166648 w 1450428"/>
+              <a:gd name="connsiteY1" fmla="*/ 299545 h 804042"/>
+              <a:gd name="connsiteX2" fmla="*/ 346842 w 1450428"/>
+              <a:gd name="connsiteY2" fmla="*/ 78828 h 804042"/>
+              <a:gd name="connsiteX3" fmla="*/ 0 w 1450428"/>
+              <a:gd name="connsiteY3" fmla="*/ 0 h 804042"/>
+            </a:gdLst>
+            <a:ahLst/>
+            <a:cxnLst>
+              <a:cxn ang="0">
+                <a:pos x="connsiteX0" y="connsiteY0"/>
+              </a:cxn>
+              <a:cxn ang="0">
+                <a:pos x="connsiteX1" y="connsiteY1"/>
+              </a:cxn>
+              <a:cxn ang="0">
+                <a:pos x="connsiteX2" y="connsiteY2"/>
+              </a:cxn>
+              <a:cxn ang="0">
+                <a:pos x="connsiteX3" y="connsiteY3"/>
+              </a:cxn>
+            </a:cxnLst>
+            <a:rect l="l" t="t" r="r" b="b"/>
+            <a:pathLst>
+              <a:path w="1450428" h="804042">
+                <a:moveTo>
+                  <a:pt x="1450428" y="804042"/>
+                </a:moveTo>
+                <a:cubicBezTo>
+                  <a:pt x="1400503" y="612228"/>
+                  <a:pt x="1350579" y="420414"/>
+                  <a:pt x="1166648" y="299545"/>
+                </a:cubicBezTo>
+                <a:cubicBezTo>
+                  <a:pt x="982717" y="178676"/>
+                  <a:pt x="541283" y="128752"/>
+                  <a:pt x="346842" y="78828"/>
+                </a:cubicBezTo>
+                <a:cubicBezTo>
+                  <a:pt x="152401" y="28904"/>
+                  <a:pt x="76200" y="14452"/>
+                  <a:pt x="0" y="0"/>
+                </a:cubicBezTo>
+              </a:path>
+            </a:pathLst>
+          </a:custGeom>
+          <a:noFill/>
+          <a:ln>
+            <a:solidFill>
+              <a:schemeClr val="bg1"/>
+            </a:solidFill>
+            <a:prstDash val="dash"/>
+            <a:headEnd type="none" w="med" len="med"/>
+            <a:tailEnd type="arrow" w="med" len="med"/>
+          </a:ln>
+        </p:spPr>
+        <p:style>
+          <a:lnRef idx="2">
+            <a:schemeClr val="accent1">
+              <a:shade val="50000"/>
+            </a:schemeClr>
+          </a:lnRef>
+          <a:fillRef idx="1">
+            <a:schemeClr val="accent1"/>
+          </a:fillRef>
+          <a:effectRef idx="0">
+            <a:schemeClr val="accent1"/>
+          </a:effectRef>
+          <a:fontRef idx="minor">
+            <a:schemeClr val="lt1"/>
+          </a:fontRef>
+        </p:style>
+        <p:txBody>
+          <a:bodyPr rtlCol="0" anchor="ctr"/>
+          <a:lstStyle/>
+          <a:p>
+            <a:pPr algn="ctr"/>
+            <a:endParaRPr lang="en-US"/>
+          </a:p>
+        </p:txBody>
+      </p:sp>
+    </p:spTree>
+    <p:extLst>
+      <p:ext uri="{BB962C8B-B14F-4D97-AF65-F5344CB8AC3E}">
+        <p14:creationId xmlns:p14="http://schemas.microsoft.com/office/powerpoint/2010/main" val="1126657471"/>
+      </p:ext>
+    </p:extLst>
+  </p:cSld>
+  <p:clrMapOvr>
+    <a:masterClrMapping/>
+  </p:clrMapOvr>
+  <p:timing>
+    <p:tnLst>
+      <p:par>
+        <p:cTn id="1" dur="indefinite" restart="never" nodeType="tmRoot">
+          <p:childTnLst>
+            <p:seq concurrent="1" nextAc="seek">
+              <p:cTn id="2" dur="indefinite" nodeType="mainSeq">
+                <p:childTnLst>
+                  <p:par>
+                    <p:cTn id="3" fill="hold">
+                      <p:stCondLst>
+                        <p:cond delay="indefinite"/>
+                      </p:stCondLst>
+                      <p:childTnLst>
+                        <p:par>
+                          <p:cTn id="4" fill="hold">
+                            <p:stCondLst>
+                              <p:cond delay="0"/>
+                            </p:stCondLst>
+                            <p:childTnLst>
+                              <p:par>
+                                <p:cTn id="5" presetID="22" presetClass="entr" presetSubtype="1" fill="hold" grpId="0" nodeType="clickEffect">
+                                  <p:stCondLst>
+                                    <p:cond delay="0"/>
+                                  </p:stCondLst>
+                                  <p:childTnLst>
+                                    <p:set>
+                                      <p:cBhvr>
+                                        <p:cTn id="6" dur="1" fill="hold">
+                                          <p:stCondLst>
+                                            <p:cond delay="0"/>
+                                          </p:stCondLst>
+                                        </p:cTn>
+                                        <p:tgtEl>
+                                          <p:spTgt spid="4"/>
+                                        </p:tgtEl>
+                                        <p:attrNameLst>
+                                          <p:attrName>style.visibility</p:attrName>
+                                        </p:attrNameLst>
+                                      </p:cBhvr>
+                                      <p:to>
+                                        <p:strVal val="visible"/>
+                                      </p:to>
+                                    </p:set>
+                                    <p:animEffect transition="in" filter="wipe(up)">
+                                      <p:cBhvr>
+                                        <p:cTn id="7" dur="500"/>
+                                        <p:tgtEl>
+                                          <p:spTgt spid="4"/>
+                                        </p:tgtEl>
+                                      </p:cBhvr>
+                                    </p:animEffect>
+                                  </p:childTnLst>
+                                </p:cTn>
+                              </p:par>
+                            </p:childTnLst>
+                          </p:cTn>
+                        </p:par>
+                      </p:childTnLst>
+                    </p:cTn>
+                  </p:par>
+                  <p:par>
+                    <p:cTn id="8" fill="hold">
+                      <p:stCondLst>
+                        <p:cond delay="indefinite"/>
+                      </p:stCondLst>
+                      <p:childTnLst>
+                        <p:par>
+                          <p:cTn id="9" fill="hold">
+                            <p:stCondLst>
+                              <p:cond delay="0"/>
+                            </p:stCondLst>
+                            <p:childTnLst>
+                              <p:par>
+                                <p:cTn id="10" presetID="22" presetClass="entr" presetSubtype="8" fill="hold" grpId="0" nodeType="clickEffect">
+                                  <p:stCondLst>
+                                    <p:cond delay="0"/>
+                                  </p:stCondLst>
+                                  <p:childTnLst>
+                                    <p:set>
+                                      <p:cBhvr>
+                                        <p:cTn id="11" dur="1" fill="hold">
+                                          <p:stCondLst>
+                                            <p:cond delay="0"/>
+                                          </p:stCondLst>
+                                        </p:cTn>
+                                        <p:tgtEl>
+                                          <p:spTgt spid="10"/>
+                                        </p:tgtEl>
+                                        <p:attrNameLst>
+                                          <p:attrName>style.visibility</p:attrName>
+                                        </p:attrNameLst>
+                                      </p:cBhvr>
+                                      <p:to>
+                                        <p:strVal val="visible"/>
+                                      </p:to>
+                                    </p:set>
+                                    <p:animEffect transition="in" filter="wipe(left)">
+                                      <p:cBhvr>
+                                        <p:cTn id="12" dur="500"/>
+                                        <p:tgtEl>
+                                          <p:spTgt spid="10"/>
+                                        </p:tgtEl>
+                                      </p:cBhvr>
+                                    </p:animEffect>
+                                  </p:childTnLst>
+                                </p:cTn>
+                              </p:par>
+                            </p:childTnLst>
+                          </p:cTn>
+                        </p:par>
+                      </p:childTnLst>
+                    </p:cTn>
+                  </p:par>
+                  <p:par>
+                    <p:cTn id="13" fill="hold">
+                      <p:stCondLst>
+                        <p:cond delay="indefinite"/>
+                      </p:stCondLst>
+                      <p:childTnLst>
+                        <p:par>
+                          <p:cTn id="14" fill="hold">
+                            <p:stCondLst>
+                              <p:cond delay="0"/>
+                            </p:stCondLst>
+                            <p:childTnLst>
+                              <p:par>
+                                <p:cTn id="15" presetID="22" presetClass="entr" presetSubtype="4" fill="hold" grpId="0" nodeType="clickEffect">
+                                  <p:stCondLst>
+                                    <p:cond delay="0"/>
+                                  </p:stCondLst>
+                                  <p:childTnLst>
+                                    <p:set>
+                                      <p:cBhvr>
+                                        <p:cTn id="16" dur="1" fill="hold">
+                                          <p:stCondLst>
+                                            <p:cond delay="0"/>
+                                          </p:stCondLst>
+                                        </p:cTn>
+                                        <p:tgtEl>
+                                          <p:spTgt spid="15"/>
+                                        </p:tgtEl>
+                                        <p:attrNameLst>
+                                          <p:attrName>style.visibility</p:attrName>
+                                        </p:attrNameLst>
+                                      </p:cBhvr>
+                                      <p:to>
+                                        <p:strVal val="visible"/>
+                                      </p:to>
+                                    </p:set>
+                                    <p:animEffect transition="in" filter="wipe(down)">
+                                      <p:cBhvr>
+                                        <p:cTn id="17" dur="500"/>
+                                        <p:tgtEl>
+                                          <p:spTgt spid="15"/>
+                                        </p:tgtEl>
+                                      </p:cBhvr>
+                                    </p:animEffect>
+                                  </p:childTnLst>
+                                </p:cTn>
+                              </p:par>
+                            </p:childTnLst>
+                          </p:cTn>
+                        </p:par>
+                      </p:childTnLst>
+                    </p:cTn>
+                  </p:par>
+                  <p:par>
+                    <p:cTn id="18" fill="hold">
+                      <p:stCondLst>
+                        <p:cond delay="indefinite"/>
+                      </p:stCondLst>
+                      <p:childTnLst>
+                        <p:par>
+                          <p:cTn id="19" fill="hold">
+                            <p:stCondLst>
+                              <p:cond delay="0"/>
+                            </p:stCondLst>
+                            <p:childTnLst>
+                              <p:par>
+                                <p:cTn id="20" presetID="22" presetClass="entr" presetSubtype="4" fill="hold" grpId="0" nodeType="clickEffect">
+                                  <p:stCondLst>
+                                    <p:cond delay="0"/>
+                                  </p:stCondLst>
+                                  <p:childTnLst>
+                                    <p:set>
+                                      <p:cBhvr>
+                                        <p:cTn id="21" dur="1" fill="hold">
+                                          <p:stCondLst>
+                                            <p:cond delay="0"/>
+                                          </p:stCondLst>
+                                        </p:cTn>
+                                        <p:tgtEl>
+                                          <p:spTgt spid="16"/>
+                                        </p:tgtEl>
+                                        <p:attrNameLst>
+                                          <p:attrName>style.visibility</p:attrName>
+                                        </p:attrNameLst>
+                                      </p:cBhvr>
+                                      <p:to>
+                                        <p:strVal val="visible"/>
+                                      </p:to>
+                                    </p:set>
+                                    <p:animEffect transition="in" filter="wipe(down)">
+                                      <p:cBhvr>
+                                        <p:cTn id="22" dur="500"/>
+                                        <p:tgtEl>
+                                          <p:spTgt spid="16"/>
+                                        </p:tgtEl>
+                                      </p:cBhvr>
+                                    </p:animEffect>
+                                  </p:childTnLst>
+                                </p:cTn>
+                              </p:par>
+                            </p:childTnLst>
+                          </p:cTn>
+                        </p:par>
+                      </p:childTnLst>
+                    </p:cTn>
+                  </p:par>
+                </p:childTnLst>
+              </p:cTn>
+              <p:prevCondLst>
+                <p:cond evt="onPrev" delay="0">
+                  <p:tgtEl>
+                    <p:sldTgt/>
+                  </p:tgtEl>
+                </p:cond>
+              </p:prevCondLst>
+              <p:nextCondLst>
+                <p:cond evt="onNext" delay="0">
+                  <p:tgtEl>
+                    <p:sldTgt/>
+                  </p:tgtEl>
+                </p:cond>
+              </p:nextCondLst>
+            </p:seq>
+          </p:childTnLst>
+        </p:cTn>
+      </p:par>
+    </p:tnLst>
+    <p:bldLst>
+      <p:bldP spid="4" grpId="0" animBg="1"/>
+      <p:bldP spid="10" grpId="0" animBg="1"/>
+      <p:bldP spid="15" grpId="0" animBg="1"/>
+      <p:bldP spid="16" grpId="0" animBg="1"/>
+    </p:bldLst>
+  </p:timing>
 </p:sld>
 </file>
 
@@ -3418,7 +4310,7 @@
           <p:cNvPr id="2" name="כותרת 1">
             <a:extLst>
               <a:ext uri="{FF2B5EF4-FFF2-40B4-BE49-F238E27FC236}">
-                <a16:creationId xmlns:a16="http://schemas.microsoft.com/office/drawing/2014/main" id="{E2C79A33-A96F-4DAF-A651-D14AC4C3C701}"/>
+                <a16:creationId xmlns:a16="http://schemas.microsoft.com/office/drawing/2014/main" xmlns="" id="{E2C79A33-A96F-4DAF-A651-D14AC4C3C701}"/>
               </a:ext>
             </a:extLst>
           </p:cNvPr>
@@ -3447,7 +4339,7 @@
           <p:cNvPr id="3" name="מציין מיקום תוכן 2">
             <a:extLst>
               <a:ext uri="{FF2B5EF4-FFF2-40B4-BE49-F238E27FC236}">
-                <a16:creationId xmlns:a16="http://schemas.microsoft.com/office/drawing/2014/main" id="{69C34AEE-CE68-4FB1-8A57-D39428B765D4}"/>
+                <a16:creationId xmlns:a16="http://schemas.microsoft.com/office/drawing/2014/main" xmlns="" id="{69C34AEE-CE68-4FB1-8A57-D39428B765D4}"/>
               </a:ext>
             </a:extLst>
           </p:cNvPr>
@@ -3510,7 +4402,7 @@
           <p:cNvPr id="2" name="כותרת 1">
             <a:extLst>
               <a:ext uri="{FF2B5EF4-FFF2-40B4-BE49-F238E27FC236}">
-                <a16:creationId xmlns:a16="http://schemas.microsoft.com/office/drawing/2014/main" id="{74BBF409-BF35-46F6-B4BA-E377F2C6A643}"/>
+                <a16:creationId xmlns:a16="http://schemas.microsoft.com/office/drawing/2014/main" xmlns="" id="{74BBF409-BF35-46F6-B4BA-E377F2C6A643}"/>
               </a:ext>
             </a:extLst>
           </p:cNvPr>
@@ -3544,7 +4436,7 @@
           <p:cNvPr id="4" name="מלבן 3">
             <a:extLst>
               <a:ext uri="{FF2B5EF4-FFF2-40B4-BE49-F238E27FC236}">
-                <a16:creationId xmlns:a16="http://schemas.microsoft.com/office/drawing/2014/main" id="{16A17290-79A4-44E3-B60A-7DF65ECB454B}"/>
+                <a16:creationId xmlns:a16="http://schemas.microsoft.com/office/drawing/2014/main" xmlns="" id="{16A17290-79A4-44E3-B60A-7DF65ECB454B}"/>
               </a:ext>
             </a:extLst>
           </p:cNvPr>
@@ -3593,7 +4485,7 @@
           <p:cNvPr id="5" name="מלבן 4">
             <a:extLst>
               <a:ext uri="{FF2B5EF4-FFF2-40B4-BE49-F238E27FC236}">
-                <a16:creationId xmlns:a16="http://schemas.microsoft.com/office/drawing/2014/main" id="{093D5480-EF4E-4A1D-BF29-0E2BC6D1F61E}"/>
+                <a16:creationId xmlns:a16="http://schemas.microsoft.com/office/drawing/2014/main" xmlns="" id="{093D5480-EF4E-4A1D-BF29-0E2BC6D1F61E}"/>
               </a:ext>
             </a:extLst>
           </p:cNvPr>
@@ -3642,7 +4534,7 @@
           <p:cNvPr id="7" name="מלבן 6">
             <a:extLst>
               <a:ext uri="{FF2B5EF4-FFF2-40B4-BE49-F238E27FC236}">
-                <a16:creationId xmlns:a16="http://schemas.microsoft.com/office/drawing/2014/main" id="{CF6B58D0-3735-4167-90DB-709ABB28C246}"/>
+                <a16:creationId xmlns:a16="http://schemas.microsoft.com/office/drawing/2014/main" xmlns="" id="{CF6B58D0-3735-4167-90DB-709ABB28C246}"/>
               </a:ext>
             </a:extLst>
           </p:cNvPr>
@@ -3691,7 +4583,7 @@
           <p:cNvPr id="8" name="מלבן 7">
             <a:extLst>
               <a:ext uri="{FF2B5EF4-FFF2-40B4-BE49-F238E27FC236}">
-                <a16:creationId xmlns:a16="http://schemas.microsoft.com/office/drawing/2014/main" id="{3B277FB1-B1D4-42B6-A80C-772BAE22CA27}"/>
+                <a16:creationId xmlns:a16="http://schemas.microsoft.com/office/drawing/2014/main" xmlns="" id="{3B277FB1-B1D4-42B6-A80C-772BAE22CA27}"/>
               </a:ext>
             </a:extLst>
           </p:cNvPr>
@@ -3740,7 +4632,7 @@
           <p:cNvPr id="10" name="מחבר ישר 9">
             <a:extLst>
               <a:ext uri="{FF2B5EF4-FFF2-40B4-BE49-F238E27FC236}">
-                <a16:creationId xmlns:a16="http://schemas.microsoft.com/office/drawing/2014/main" id="{5C0F1EFE-D47B-43DE-B9BE-82F2E1250831}"/>
+                <a16:creationId xmlns:a16="http://schemas.microsoft.com/office/drawing/2014/main" xmlns="" id="{5C0F1EFE-D47B-43DE-B9BE-82F2E1250831}"/>
               </a:ext>
             </a:extLst>
           </p:cNvPr>
@@ -3779,7 +4671,7 @@
           <p:cNvPr id="12" name="מחבר ישר 11">
             <a:extLst>
               <a:ext uri="{FF2B5EF4-FFF2-40B4-BE49-F238E27FC236}">
-                <a16:creationId xmlns:a16="http://schemas.microsoft.com/office/drawing/2014/main" id="{D2C144BF-C7E3-48AC-8EC6-DD2E880B689F}"/>
+                <a16:creationId xmlns:a16="http://schemas.microsoft.com/office/drawing/2014/main" xmlns="" id="{D2C144BF-C7E3-48AC-8EC6-DD2E880B689F}"/>
               </a:ext>
             </a:extLst>
           </p:cNvPr>
@@ -3818,7 +4710,7 @@
           <p:cNvPr id="14" name="מחבר ישר 13">
             <a:extLst>
               <a:ext uri="{FF2B5EF4-FFF2-40B4-BE49-F238E27FC236}">
-                <a16:creationId xmlns:a16="http://schemas.microsoft.com/office/drawing/2014/main" id="{B08E45C6-1EBD-414F-A975-F4CF1CF5A956}"/>
+                <a16:creationId xmlns:a16="http://schemas.microsoft.com/office/drawing/2014/main" xmlns="" id="{B08E45C6-1EBD-414F-A975-F4CF1CF5A956}"/>
               </a:ext>
             </a:extLst>
           </p:cNvPr>
@@ -3857,7 +4749,7 @@
           <p:cNvPr id="17" name="מלבן 16">
             <a:extLst>
               <a:ext uri="{FF2B5EF4-FFF2-40B4-BE49-F238E27FC236}">
-                <a16:creationId xmlns:a16="http://schemas.microsoft.com/office/drawing/2014/main" id="{AEF840A7-49F1-4CC3-BD50-C404BAAE8C27}"/>
+                <a16:creationId xmlns:a16="http://schemas.microsoft.com/office/drawing/2014/main" xmlns="" id="{AEF840A7-49F1-4CC3-BD50-C404BAAE8C27}"/>
               </a:ext>
             </a:extLst>
           </p:cNvPr>
@@ -3906,7 +4798,7 @@
           <p:cNvPr id="18" name="מלבן 17">
             <a:extLst>
               <a:ext uri="{FF2B5EF4-FFF2-40B4-BE49-F238E27FC236}">
-                <a16:creationId xmlns:a16="http://schemas.microsoft.com/office/drawing/2014/main" id="{67A38C0B-17BC-4C26-85A5-3381FB901773}"/>
+                <a16:creationId xmlns:a16="http://schemas.microsoft.com/office/drawing/2014/main" xmlns="" id="{67A38C0B-17BC-4C26-85A5-3381FB901773}"/>
               </a:ext>
             </a:extLst>
           </p:cNvPr>
@@ -3955,7 +4847,7 @@
           <p:cNvPr id="19" name="מלבן 18">
             <a:extLst>
               <a:ext uri="{FF2B5EF4-FFF2-40B4-BE49-F238E27FC236}">
-                <a16:creationId xmlns:a16="http://schemas.microsoft.com/office/drawing/2014/main" id="{45282DE7-976A-456E-8882-2FD01609A580}"/>
+                <a16:creationId xmlns:a16="http://schemas.microsoft.com/office/drawing/2014/main" xmlns="" id="{45282DE7-976A-456E-8882-2FD01609A580}"/>
               </a:ext>
             </a:extLst>
           </p:cNvPr>
@@ -4004,7 +4896,7 @@
           <p:cNvPr id="20" name="מחבר ישר 19">
             <a:extLst>
               <a:ext uri="{FF2B5EF4-FFF2-40B4-BE49-F238E27FC236}">
-                <a16:creationId xmlns:a16="http://schemas.microsoft.com/office/drawing/2014/main" id="{DE6984B3-4D98-4008-BCD2-BFB9237073D4}"/>
+                <a16:creationId xmlns:a16="http://schemas.microsoft.com/office/drawing/2014/main" xmlns="" id="{DE6984B3-4D98-4008-BCD2-BFB9237073D4}"/>
               </a:ext>
             </a:extLst>
           </p:cNvPr>
@@ -4043,7 +4935,7 @@
           <p:cNvPr id="21" name="מחבר ישר 20">
             <a:extLst>
               <a:ext uri="{FF2B5EF4-FFF2-40B4-BE49-F238E27FC236}">
-                <a16:creationId xmlns:a16="http://schemas.microsoft.com/office/drawing/2014/main" id="{1DD446A2-1085-41D0-9301-8CA10736B435}"/>
+                <a16:creationId xmlns:a16="http://schemas.microsoft.com/office/drawing/2014/main" xmlns="" id="{1DD446A2-1085-41D0-9301-8CA10736B435}"/>
               </a:ext>
             </a:extLst>
           </p:cNvPr>
@@ -4082,7 +4974,7 @@
           <p:cNvPr id="22" name="מחבר ישר 21">
             <a:extLst>
               <a:ext uri="{FF2B5EF4-FFF2-40B4-BE49-F238E27FC236}">
-                <a16:creationId xmlns:a16="http://schemas.microsoft.com/office/drawing/2014/main" id="{76F7C192-77FF-458F-BF65-0BE8989FEA88}"/>
+                <a16:creationId xmlns:a16="http://schemas.microsoft.com/office/drawing/2014/main" xmlns="" id="{76F7C192-77FF-458F-BF65-0BE8989FEA88}"/>
               </a:ext>
             </a:extLst>
           </p:cNvPr>
@@ -4122,7 +5014,7 @@
           <p:cNvPr id="27" name="צורה חופשית: צורה 26">
             <a:extLst>
               <a:ext uri="{FF2B5EF4-FFF2-40B4-BE49-F238E27FC236}">
-                <a16:creationId xmlns:a16="http://schemas.microsoft.com/office/drawing/2014/main" id="{F8DFCDFF-F9D9-43A8-BC85-CB78E64D0F55}"/>
+                <a16:creationId xmlns:a16="http://schemas.microsoft.com/office/drawing/2014/main" xmlns="" id="{F8DFCDFF-F9D9-43A8-BC85-CB78E64D0F55}"/>
               </a:ext>
             </a:extLst>
           </p:cNvPr>
@@ -4215,7 +5107,7 @@
           <p:cNvPr id="28" name="צורה חופשית: צורה 27">
             <a:extLst>
               <a:ext uri="{FF2B5EF4-FFF2-40B4-BE49-F238E27FC236}">
-                <a16:creationId xmlns:a16="http://schemas.microsoft.com/office/drawing/2014/main" id="{8778E359-5A01-4F12-9320-F366B43083A6}"/>
+                <a16:creationId xmlns:a16="http://schemas.microsoft.com/office/drawing/2014/main" xmlns="" id="{8778E359-5A01-4F12-9320-F366B43083A6}"/>
               </a:ext>
             </a:extLst>
           </p:cNvPr>
@@ -4308,7 +5200,7 @@
           <p:cNvPr id="29" name="צורה חופשית: צורה 28">
             <a:extLst>
               <a:ext uri="{FF2B5EF4-FFF2-40B4-BE49-F238E27FC236}">
-                <a16:creationId xmlns:a16="http://schemas.microsoft.com/office/drawing/2014/main" id="{5EAE4BFC-1516-4A4A-844B-4DBDEB814D9D}"/>
+                <a16:creationId xmlns:a16="http://schemas.microsoft.com/office/drawing/2014/main" xmlns="" id="{5EAE4BFC-1516-4A4A-844B-4DBDEB814D9D}"/>
               </a:ext>
             </a:extLst>
           </p:cNvPr>
@@ -4406,7 +5298,7 @@
           <p:cNvPr id="31" name="צורה חופשית: צורה 30">
             <a:extLst>
               <a:ext uri="{FF2B5EF4-FFF2-40B4-BE49-F238E27FC236}">
-                <a16:creationId xmlns:a16="http://schemas.microsoft.com/office/drawing/2014/main" id="{E0AE816A-8731-4F92-8EEB-8C6889B79E3C}"/>
+                <a16:creationId xmlns:a16="http://schemas.microsoft.com/office/drawing/2014/main" xmlns="" id="{E0AE816A-8731-4F92-8EEB-8C6889B79E3C}"/>
               </a:ext>
             </a:extLst>
           </p:cNvPr>
@@ -4534,7 +5426,7 @@
           <p:cNvPr id="2" name="כותרת 1">
             <a:extLst>
               <a:ext uri="{FF2B5EF4-FFF2-40B4-BE49-F238E27FC236}">
-                <a16:creationId xmlns:a16="http://schemas.microsoft.com/office/drawing/2014/main" id="{74BBF409-BF35-46F6-B4BA-E377F2C6A643}"/>
+                <a16:creationId xmlns:a16="http://schemas.microsoft.com/office/drawing/2014/main" xmlns="" id="{74BBF409-BF35-46F6-B4BA-E377F2C6A643}"/>
               </a:ext>
             </a:extLst>
           </p:cNvPr>
@@ -4568,7 +5460,7 @@
           <p:cNvPr id="4" name="מלבן 3">
             <a:extLst>
               <a:ext uri="{FF2B5EF4-FFF2-40B4-BE49-F238E27FC236}">
-                <a16:creationId xmlns:a16="http://schemas.microsoft.com/office/drawing/2014/main" id="{16A17290-79A4-44E3-B60A-7DF65ECB454B}"/>
+                <a16:creationId xmlns:a16="http://schemas.microsoft.com/office/drawing/2014/main" xmlns="" id="{16A17290-79A4-44E3-B60A-7DF65ECB454B}"/>
               </a:ext>
             </a:extLst>
           </p:cNvPr>
@@ -4617,7 +5509,7 @@
           <p:cNvPr id="5" name="מלבן 4">
             <a:extLst>
               <a:ext uri="{FF2B5EF4-FFF2-40B4-BE49-F238E27FC236}">
-                <a16:creationId xmlns:a16="http://schemas.microsoft.com/office/drawing/2014/main" id="{093D5480-EF4E-4A1D-BF29-0E2BC6D1F61E}"/>
+                <a16:creationId xmlns:a16="http://schemas.microsoft.com/office/drawing/2014/main" xmlns="" id="{093D5480-EF4E-4A1D-BF29-0E2BC6D1F61E}"/>
               </a:ext>
             </a:extLst>
           </p:cNvPr>
@@ -4666,7 +5558,7 @@
           <p:cNvPr id="7" name="מלבן 6">
             <a:extLst>
               <a:ext uri="{FF2B5EF4-FFF2-40B4-BE49-F238E27FC236}">
-                <a16:creationId xmlns:a16="http://schemas.microsoft.com/office/drawing/2014/main" id="{CF6B58D0-3735-4167-90DB-709ABB28C246}"/>
+                <a16:creationId xmlns:a16="http://schemas.microsoft.com/office/drawing/2014/main" xmlns="" id="{CF6B58D0-3735-4167-90DB-709ABB28C246}"/>
               </a:ext>
             </a:extLst>
           </p:cNvPr>
@@ -4715,7 +5607,7 @@
           <p:cNvPr id="8" name="מלבן 7">
             <a:extLst>
               <a:ext uri="{FF2B5EF4-FFF2-40B4-BE49-F238E27FC236}">
-                <a16:creationId xmlns:a16="http://schemas.microsoft.com/office/drawing/2014/main" id="{3B277FB1-B1D4-42B6-A80C-772BAE22CA27}"/>
+                <a16:creationId xmlns:a16="http://schemas.microsoft.com/office/drawing/2014/main" xmlns="" id="{3B277FB1-B1D4-42B6-A80C-772BAE22CA27}"/>
               </a:ext>
             </a:extLst>
           </p:cNvPr>
@@ -4764,7 +5656,7 @@
           <p:cNvPr id="10" name="מחבר ישר 9">
             <a:extLst>
               <a:ext uri="{FF2B5EF4-FFF2-40B4-BE49-F238E27FC236}">
-                <a16:creationId xmlns:a16="http://schemas.microsoft.com/office/drawing/2014/main" id="{5C0F1EFE-D47B-43DE-B9BE-82F2E1250831}"/>
+                <a16:creationId xmlns:a16="http://schemas.microsoft.com/office/drawing/2014/main" xmlns="" id="{5C0F1EFE-D47B-43DE-B9BE-82F2E1250831}"/>
               </a:ext>
             </a:extLst>
           </p:cNvPr>
@@ -4803,7 +5695,7 @@
           <p:cNvPr id="12" name="מחבר ישר 11">
             <a:extLst>
               <a:ext uri="{FF2B5EF4-FFF2-40B4-BE49-F238E27FC236}">
-                <a16:creationId xmlns:a16="http://schemas.microsoft.com/office/drawing/2014/main" id="{D2C144BF-C7E3-48AC-8EC6-DD2E880B689F}"/>
+                <a16:creationId xmlns:a16="http://schemas.microsoft.com/office/drawing/2014/main" xmlns="" id="{D2C144BF-C7E3-48AC-8EC6-DD2E880B689F}"/>
               </a:ext>
             </a:extLst>
           </p:cNvPr>
@@ -4842,7 +5734,7 @@
           <p:cNvPr id="14" name="מחבר ישר 13">
             <a:extLst>
               <a:ext uri="{FF2B5EF4-FFF2-40B4-BE49-F238E27FC236}">
-                <a16:creationId xmlns:a16="http://schemas.microsoft.com/office/drawing/2014/main" id="{B08E45C6-1EBD-414F-A975-F4CF1CF5A956}"/>
+                <a16:creationId xmlns:a16="http://schemas.microsoft.com/office/drawing/2014/main" xmlns="" id="{B08E45C6-1EBD-414F-A975-F4CF1CF5A956}"/>
               </a:ext>
             </a:extLst>
           </p:cNvPr>
@@ -4881,7 +5773,7 @@
           <p:cNvPr id="17" name="מלבן 16">
             <a:extLst>
               <a:ext uri="{FF2B5EF4-FFF2-40B4-BE49-F238E27FC236}">
-                <a16:creationId xmlns:a16="http://schemas.microsoft.com/office/drawing/2014/main" id="{AEF840A7-49F1-4CC3-BD50-C404BAAE8C27}"/>
+                <a16:creationId xmlns:a16="http://schemas.microsoft.com/office/drawing/2014/main" xmlns="" id="{AEF840A7-49F1-4CC3-BD50-C404BAAE8C27}"/>
               </a:ext>
             </a:extLst>
           </p:cNvPr>
@@ -4930,7 +5822,7 @@
           <p:cNvPr id="18" name="מלבן 17">
             <a:extLst>
               <a:ext uri="{FF2B5EF4-FFF2-40B4-BE49-F238E27FC236}">
-                <a16:creationId xmlns:a16="http://schemas.microsoft.com/office/drawing/2014/main" id="{67A38C0B-17BC-4C26-85A5-3381FB901773}"/>
+                <a16:creationId xmlns:a16="http://schemas.microsoft.com/office/drawing/2014/main" xmlns="" id="{67A38C0B-17BC-4C26-85A5-3381FB901773}"/>
               </a:ext>
             </a:extLst>
           </p:cNvPr>
@@ -4979,7 +5871,7 @@
           <p:cNvPr id="19" name="מלבן 18">
             <a:extLst>
               <a:ext uri="{FF2B5EF4-FFF2-40B4-BE49-F238E27FC236}">
-                <a16:creationId xmlns:a16="http://schemas.microsoft.com/office/drawing/2014/main" id="{45282DE7-976A-456E-8882-2FD01609A580}"/>
+                <a16:creationId xmlns:a16="http://schemas.microsoft.com/office/drawing/2014/main" xmlns="" id="{45282DE7-976A-456E-8882-2FD01609A580}"/>
               </a:ext>
             </a:extLst>
           </p:cNvPr>
@@ -5028,7 +5920,7 @@
           <p:cNvPr id="20" name="מחבר ישר 19">
             <a:extLst>
               <a:ext uri="{FF2B5EF4-FFF2-40B4-BE49-F238E27FC236}">
-                <a16:creationId xmlns:a16="http://schemas.microsoft.com/office/drawing/2014/main" id="{DE6984B3-4D98-4008-BCD2-BFB9237073D4}"/>
+                <a16:creationId xmlns:a16="http://schemas.microsoft.com/office/drawing/2014/main" xmlns="" id="{DE6984B3-4D98-4008-BCD2-BFB9237073D4}"/>
               </a:ext>
             </a:extLst>
           </p:cNvPr>
@@ -5067,7 +5959,7 @@
           <p:cNvPr id="21" name="מחבר ישר 20">
             <a:extLst>
               <a:ext uri="{FF2B5EF4-FFF2-40B4-BE49-F238E27FC236}">
-                <a16:creationId xmlns:a16="http://schemas.microsoft.com/office/drawing/2014/main" id="{1DD446A2-1085-41D0-9301-8CA10736B435}"/>
+                <a16:creationId xmlns:a16="http://schemas.microsoft.com/office/drawing/2014/main" xmlns="" id="{1DD446A2-1085-41D0-9301-8CA10736B435}"/>
               </a:ext>
             </a:extLst>
           </p:cNvPr>
@@ -5106,7 +5998,7 @@
           <p:cNvPr id="22" name="מחבר ישר 21">
             <a:extLst>
               <a:ext uri="{FF2B5EF4-FFF2-40B4-BE49-F238E27FC236}">
-                <a16:creationId xmlns:a16="http://schemas.microsoft.com/office/drawing/2014/main" id="{76F7C192-77FF-458F-BF65-0BE8989FEA88}"/>
+                <a16:creationId xmlns:a16="http://schemas.microsoft.com/office/drawing/2014/main" xmlns="" id="{76F7C192-77FF-458F-BF65-0BE8989FEA88}"/>
               </a:ext>
             </a:extLst>
           </p:cNvPr>
@@ -5146,7 +6038,7 @@
           <p:cNvPr id="3" name="צורה חופשית: צורה 2">
             <a:extLst>
               <a:ext uri="{FF2B5EF4-FFF2-40B4-BE49-F238E27FC236}">
-                <a16:creationId xmlns:a16="http://schemas.microsoft.com/office/drawing/2014/main" id="{9766BDB8-AE13-4A3F-BDCF-FB0349AFD952}"/>
+                <a16:creationId xmlns:a16="http://schemas.microsoft.com/office/drawing/2014/main" xmlns="" id="{9766BDB8-AE13-4A3F-BDCF-FB0349AFD952}"/>
               </a:ext>
             </a:extLst>
           </p:cNvPr>
@@ -5254,7 +6146,7 @@
           <p:cNvPr id="6" name="צורה חופשית: צורה 5">
             <a:extLst>
               <a:ext uri="{FF2B5EF4-FFF2-40B4-BE49-F238E27FC236}">
-                <a16:creationId xmlns:a16="http://schemas.microsoft.com/office/drawing/2014/main" id="{1F9F0FFC-4789-45CC-9CAA-FED03786C60C}"/>
+                <a16:creationId xmlns:a16="http://schemas.microsoft.com/office/drawing/2014/main" xmlns="" id="{1F9F0FFC-4789-45CC-9CAA-FED03786C60C}"/>
               </a:ext>
             </a:extLst>
           </p:cNvPr>
@@ -5392,7 +6284,7 @@
           <p:cNvPr id="2" name="כותרת 1">
             <a:extLst>
               <a:ext uri="{FF2B5EF4-FFF2-40B4-BE49-F238E27FC236}">
-                <a16:creationId xmlns:a16="http://schemas.microsoft.com/office/drawing/2014/main" id="{74BBF409-BF35-46F6-B4BA-E377F2C6A643}"/>
+                <a16:creationId xmlns:a16="http://schemas.microsoft.com/office/drawing/2014/main" xmlns="" id="{74BBF409-BF35-46F6-B4BA-E377F2C6A643}"/>
               </a:ext>
             </a:extLst>
           </p:cNvPr>
@@ -5426,7 +6318,7 @@
           <p:cNvPr id="4" name="מלבן 3">
             <a:extLst>
               <a:ext uri="{FF2B5EF4-FFF2-40B4-BE49-F238E27FC236}">
-                <a16:creationId xmlns:a16="http://schemas.microsoft.com/office/drawing/2014/main" id="{16A17290-79A4-44E3-B60A-7DF65ECB454B}"/>
+                <a16:creationId xmlns:a16="http://schemas.microsoft.com/office/drawing/2014/main" xmlns="" id="{16A17290-79A4-44E3-B60A-7DF65ECB454B}"/>
               </a:ext>
             </a:extLst>
           </p:cNvPr>
@@ -5475,7 +6367,7 @@
           <p:cNvPr id="5" name="מלבן 4">
             <a:extLst>
               <a:ext uri="{FF2B5EF4-FFF2-40B4-BE49-F238E27FC236}">
-                <a16:creationId xmlns:a16="http://schemas.microsoft.com/office/drawing/2014/main" id="{093D5480-EF4E-4A1D-BF29-0E2BC6D1F61E}"/>
+                <a16:creationId xmlns:a16="http://schemas.microsoft.com/office/drawing/2014/main" xmlns="" id="{093D5480-EF4E-4A1D-BF29-0E2BC6D1F61E}"/>
               </a:ext>
             </a:extLst>
           </p:cNvPr>
@@ -5524,7 +6416,7 @@
           <p:cNvPr id="7" name="מלבן 6">
             <a:extLst>
               <a:ext uri="{FF2B5EF4-FFF2-40B4-BE49-F238E27FC236}">
-                <a16:creationId xmlns:a16="http://schemas.microsoft.com/office/drawing/2014/main" id="{CF6B58D0-3735-4167-90DB-709ABB28C246}"/>
+                <a16:creationId xmlns:a16="http://schemas.microsoft.com/office/drawing/2014/main" xmlns="" id="{CF6B58D0-3735-4167-90DB-709ABB28C246}"/>
               </a:ext>
             </a:extLst>
           </p:cNvPr>
@@ -5573,7 +6465,7 @@
           <p:cNvPr id="8" name="מלבן 7">
             <a:extLst>
               <a:ext uri="{FF2B5EF4-FFF2-40B4-BE49-F238E27FC236}">
-                <a16:creationId xmlns:a16="http://schemas.microsoft.com/office/drawing/2014/main" id="{3B277FB1-B1D4-42B6-A80C-772BAE22CA27}"/>
+                <a16:creationId xmlns:a16="http://schemas.microsoft.com/office/drawing/2014/main" xmlns="" id="{3B277FB1-B1D4-42B6-A80C-772BAE22CA27}"/>
               </a:ext>
             </a:extLst>
           </p:cNvPr>
@@ -5622,7 +6514,7 @@
           <p:cNvPr id="10" name="מחבר ישר 9">
             <a:extLst>
               <a:ext uri="{FF2B5EF4-FFF2-40B4-BE49-F238E27FC236}">
-                <a16:creationId xmlns:a16="http://schemas.microsoft.com/office/drawing/2014/main" id="{5C0F1EFE-D47B-43DE-B9BE-82F2E1250831}"/>
+                <a16:creationId xmlns:a16="http://schemas.microsoft.com/office/drawing/2014/main" xmlns="" id="{5C0F1EFE-D47B-43DE-B9BE-82F2E1250831}"/>
               </a:ext>
             </a:extLst>
           </p:cNvPr>
@@ -5661,7 +6553,7 @@
           <p:cNvPr id="12" name="מחבר ישר 11">
             <a:extLst>
               <a:ext uri="{FF2B5EF4-FFF2-40B4-BE49-F238E27FC236}">
-                <a16:creationId xmlns:a16="http://schemas.microsoft.com/office/drawing/2014/main" id="{D2C144BF-C7E3-48AC-8EC6-DD2E880B689F}"/>
+                <a16:creationId xmlns:a16="http://schemas.microsoft.com/office/drawing/2014/main" xmlns="" id="{D2C144BF-C7E3-48AC-8EC6-DD2E880B689F}"/>
               </a:ext>
             </a:extLst>
           </p:cNvPr>
@@ -5700,7 +6592,7 @@
           <p:cNvPr id="14" name="מחבר ישר 13">
             <a:extLst>
               <a:ext uri="{FF2B5EF4-FFF2-40B4-BE49-F238E27FC236}">
-                <a16:creationId xmlns:a16="http://schemas.microsoft.com/office/drawing/2014/main" id="{B08E45C6-1EBD-414F-A975-F4CF1CF5A956}"/>
+                <a16:creationId xmlns:a16="http://schemas.microsoft.com/office/drawing/2014/main" xmlns="" id="{B08E45C6-1EBD-414F-A975-F4CF1CF5A956}"/>
               </a:ext>
             </a:extLst>
           </p:cNvPr>
@@ -5739,7 +6631,7 @@
           <p:cNvPr id="17" name="מלבן 16">
             <a:extLst>
               <a:ext uri="{FF2B5EF4-FFF2-40B4-BE49-F238E27FC236}">
-                <a16:creationId xmlns:a16="http://schemas.microsoft.com/office/drawing/2014/main" id="{AEF840A7-49F1-4CC3-BD50-C404BAAE8C27}"/>
+                <a16:creationId xmlns:a16="http://schemas.microsoft.com/office/drawing/2014/main" xmlns="" id="{AEF840A7-49F1-4CC3-BD50-C404BAAE8C27}"/>
               </a:ext>
             </a:extLst>
           </p:cNvPr>
@@ -5788,7 +6680,7 @@
           <p:cNvPr id="18" name="מלבן 17">
             <a:extLst>
               <a:ext uri="{FF2B5EF4-FFF2-40B4-BE49-F238E27FC236}">
-                <a16:creationId xmlns:a16="http://schemas.microsoft.com/office/drawing/2014/main" id="{67A38C0B-17BC-4C26-85A5-3381FB901773}"/>
+                <a16:creationId xmlns:a16="http://schemas.microsoft.com/office/drawing/2014/main" xmlns="" id="{67A38C0B-17BC-4C26-85A5-3381FB901773}"/>
               </a:ext>
             </a:extLst>
           </p:cNvPr>
@@ -5837,7 +6729,7 @@
           <p:cNvPr id="19" name="מלבן 18">
             <a:extLst>
               <a:ext uri="{FF2B5EF4-FFF2-40B4-BE49-F238E27FC236}">
-                <a16:creationId xmlns:a16="http://schemas.microsoft.com/office/drawing/2014/main" id="{45282DE7-976A-456E-8882-2FD01609A580}"/>
+                <a16:creationId xmlns:a16="http://schemas.microsoft.com/office/drawing/2014/main" xmlns="" id="{45282DE7-976A-456E-8882-2FD01609A580}"/>
               </a:ext>
             </a:extLst>
           </p:cNvPr>
@@ -5886,7 +6778,7 @@
           <p:cNvPr id="20" name="מחבר ישר 19">
             <a:extLst>
               <a:ext uri="{FF2B5EF4-FFF2-40B4-BE49-F238E27FC236}">
-                <a16:creationId xmlns:a16="http://schemas.microsoft.com/office/drawing/2014/main" id="{DE6984B3-4D98-4008-BCD2-BFB9237073D4}"/>
+                <a16:creationId xmlns:a16="http://schemas.microsoft.com/office/drawing/2014/main" xmlns="" id="{DE6984B3-4D98-4008-BCD2-BFB9237073D4}"/>
               </a:ext>
             </a:extLst>
           </p:cNvPr>
@@ -5925,7 +6817,7 @@
           <p:cNvPr id="21" name="מחבר ישר 20">
             <a:extLst>
               <a:ext uri="{FF2B5EF4-FFF2-40B4-BE49-F238E27FC236}">
-                <a16:creationId xmlns:a16="http://schemas.microsoft.com/office/drawing/2014/main" id="{1DD446A2-1085-41D0-9301-8CA10736B435}"/>
+                <a16:creationId xmlns:a16="http://schemas.microsoft.com/office/drawing/2014/main" xmlns="" id="{1DD446A2-1085-41D0-9301-8CA10736B435}"/>
               </a:ext>
             </a:extLst>
           </p:cNvPr>
@@ -5964,7 +6856,7 @@
           <p:cNvPr id="22" name="מחבר ישר 21">
             <a:extLst>
               <a:ext uri="{FF2B5EF4-FFF2-40B4-BE49-F238E27FC236}">
-                <a16:creationId xmlns:a16="http://schemas.microsoft.com/office/drawing/2014/main" id="{76F7C192-77FF-458F-BF65-0BE8989FEA88}"/>
+                <a16:creationId xmlns:a16="http://schemas.microsoft.com/office/drawing/2014/main" xmlns="" id="{76F7C192-77FF-458F-BF65-0BE8989FEA88}"/>
               </a:ext>
             </a:extLst>
           </p:cNvPr>
@@ -6004,7 +6896,7 @@
           <p:cNvPr id="3" name="צורה חופשית: צורה 2">
             <a:extLst>
               <a:ext uri="{FF2B5EF4-FFF2-40B4-BE49-F238E27FC236}">
-                <a16:creationId xmlns:a16="http://schemas.microsoft.com/office/drawing/2014/main" id="{9766BDB8-AE13-4A3F-BDCF-FB0349AFD952}"/>
+                <a16:creationId xmlns:a16="http://schemas.microsoft.com/office/drawing/2014/main" xmlns="" id="{9766BDB8-AE13-4A3F-BDCF-FB0349AFD952}"/>
               </a:ext>
             </a:extLst>
           </p:cNvPr>
@@ -6112,7 +7004,7 @@
           <p:cNvPr id="6" name="צורה חופשית: צורה 5">
             <a:extLst>
               <a:ext uri="{FF2B5EF4-FFF2-40B4-BE49-F238E27FC236}">
-                <a16:creationId xmlns:a16="http://schemas.microsoft.com/office/drawing/2014/main" id="{1F9F0FFC-4789-45CC-9CAA-FED03786C60C}"/>
+                <a16:creationId xmlns:a16="http://schemas.microsoft.com/office/drawing/2014/main" xmlns="" id="{1F9F0FFC-4789-45CC-9CAA-FED03786C60C}"/>
               </a:ext>
             </a:extLst>
           </p:cNvPr>
@@ -6220,7 +7112,7 @@
           <p:cNvPr id="11" name="צורה חופשית: צורה 10">
             <a:extLst>
               <a:ext uri="{FF2B5EF4-FFF2-40B4-BE49-F238E27FC236}">
-                <a16:creationId xmlns:a16="http://schemas.microsoft.com/office/drawing/2014/main" id="{897AABF6-12D5-40E2-8CCB-2A9A28196AFF}"/>
+                <a16:creationId xmlns:a16="http://schemas.microsoft.com/office/drawing/2014/main" xmlns="" id="{897AABF6-12D5-40E2-8CCB-2A9A28196AFF}"/>
               </a:ext>
             </a:extLst>
           </p:cNvPr>
@@ -6318,7 +7210,7 @@
           <p:cNvPr id="13" name="TextBox 12">
             <a:extLst>
               <a:ext uri="{FF2B5EF4-FFF2-40B4-BE49-F238E27FC236}">
-                <a16:creationId xmlns:a16="http://schemas.microsoft.com/office/drawing/2014/main" id="{C3A4F611-9860-43DC-AC9B-E54036E448FB}"/>
+                <a16:creationId xmlns:a16="http://schemas.microsoft.com/office/drawing/2014/main" xmlns="" id="{C3A4F611-9860-43DC-AC9B-E54036E448FB}"/>
               </a:ext>
             </a:extLst>
           </p:cNvPr>
@@ -6387,7 +7279,7 @@
           <p:cNvPr id="2" name="כותרת 1">
             <a:extLst>
               <a:ext uri="{FF2B5EF4-FFF2-40B4-BE49-F238E27FC236}">
-                <a16:creationId xmlns:a16="http://schemas.microsoft.com/office/drawing/2014/main" id="{74BBF409-BF35-46F6-B4BA-E377F2C6A643}"/>
+                <a16:creationId xmlns:a16="http://schemas.microsoft.com/office/drawing/2014/main" xmlns="" id="{74BBF409-BF35-46F6-B4BA-E377F2C6A643}"/>
               </a:ext>
             </a:extLst>
           </p:cNvPr>
@@ -6421,7 +7313,7 @@
           <p:cNvPr id="4" name="מלבן 3">
             <a:extLst>
               <a:ext uri="{FF2B5EF4-FFF2-40B4-BE49-F238E27FC236}">
-                <a16:creationId xmlns:a16="http://schemas.microsoft.com/office/drawing/2014/main" id="{16A17290-79A4-44E3-B60A-7DF65ECB454B}"/>
+                <a16:creationId xmlns:a16="http://schemas.microsoft.com/office/drawing/2014/main" xmlns="" id="{16A17290-79A4-44E3-B60A-7DF65ECB454B}"/>
               </a:ext>
             </a:extLst>
           </p:cNvPr>
@@ -6470,7 +7362,7 @@
           <p:cNvPr id="5" name="מלבן 4">
             <a:extLst>
               <a:ext uri="{FF2B5EF4-FFF2-40B4-BE49-F238E27FC236}">
-                <a16:creationId xmlns:a16="http://schemas.microsoft.com/office/drawing/2014/main" id="{093D5480-EF4E-4A1D-BF29-0E2BC6D1F61E}"/>
+                <a16:creationId xmlns:a16="http://schemas.microsoft.com/office/drawing/2014/main" xmlns="" id="{093D5480-EF4E-4A1D-BF29-0E2BC6D1F61E}"/>
               </a:ext>
             </a:extLst>
           </p:cNvPr>
@@ -6519,7 +7411,7 @@
           <p:cNvPr id="7" name="מלבן 6">
             <a:extLst>
               <a:ext uri="{FF2B5EF4-FFF2-40B4-BE49-F238E27FC236}">
-                <a16:creationId xmlns:a16="http://schemas.microsoft.com/office/drawing/2014/main" id="{CF6B58D0-3735-4167-90DB-709ABB28C246}"/>
+                <a16:creationId xmlns:a16="http://schemas.microsoft.com/office/drawing/2014/main" xmlns="" id="{CF6B58D0-3735-4167-90DB-709ABB28C246}"/>
               </a:ext>
             </a:extLst>
           </p:cNvPr>
@@ -6568,7 +7460,7 @@
           <p:cNvPr id="8" name="מלבן 7">
             <a:extLst>
               <a:ext uri="{FF2B5EF4-FFF2-40B4-BE49-F238E27FC236}">
-                <a16:creationId xmlns:a16="http://schemas.microsoft.com/office/drawing/2014/main" id="{3B277FB1-B1D4-42B6-A80C-772BAE22CA27}"/>
+                <a16:creationId xmlns:a16="http://schemas.microsoft.com/office/drawing/2014/main" xmlns="" id="{3B277FB1-B1D4-42B6-A80C-772BAE22CA27}"/>
               </a:ext>
             </a:extLst>
           </p:cNvPr>
@@ -6617,7 +7509,7 @@
           <p:cNvPr id="10" name="מחבר ישר 9">
             <a:extLst>
               <a:ext uri="{FF2B5EF4-FFF2-40B4-BE49-F238E27FC236}">
-                <a16:creationId xmlns:a16="http://schemas.microsoft.com/office/drawing/2014/main" id="{5C0F1EFE-D47B-43DE-B9BE-82F2E1250831}"/>
+                <a16:creationId xmlns:a16="http://schemas.microsoft.com/office/drawing/2014/main" xmlns="" id="{5C0F1EFE-D47B-43DE-B9BE-82F2E1250831}"/>
               </a:ext>
             </a:extLst>
           </p:cNvPr>
@@ -6656,7 +7548,7 @@
           <p:cNvPr id="12" name="מחבר ישר 11">
             <a:extLst>
               <a:ext uri="{FF2B5EF4-FFF2-40B4-BE49-F238E27FC236}">
-                <a16:creationId xmlns:a16="http://schemas.microsoft.com/office/drawing/2014/main" id="{D2C144BF-C7E3-48AC-8EC6-DD2E880B689F}"/>
+                <a16:creationId xmlns:a16="http://schemas.microsoft.com/office/drawing/2014/main" xmlns="" id="{D2C144BF-C7E3-48AC-8EC6-DD2E880B689F}"/>
               </a:ext>
             </a:extLst>
           </p:cNvPr>
@@ -6695,7 +7587,7 @@
           <p:cNvPr id="14" name="מחבר ישר 13">
             <a:extLst>
               <a:ext uri="{FF2B5EF4-FFF2-40B4-BE49-F238E27FC236}">
-                <a16:creationId xmlns:a16="http://schemas.microsoft.com/office/drawing/2014/main" id="{B08E45C6-1EBD-414F-A975-F4CF1CF5A956}"/>
+                <a16:creationId xmlns:a16="http://schemas.microsoft.com/office/drawing/2014/main" xmlns="" id="{B08E45C6-1EBD-414F-A975-F4CF1CF5A956}"/>
               </a:ext>
             </a:extLst>
           </p:cNvPr>
@@ -6734,7 +7626,7 @@
           <p:cNvPr id="17" name="מלבן 16">
             <a:extLst>
               <a:ext uri="{FF2B5EF4-FFF2-40B4-BE49-F238E27FC236}">
-                <a16:creationId xmlns:a16="http://schemas.microsoft.com/office/drawing/2014/main" id="{AEF840A7-49F1-4CC3-BD50-C404BAAE8C27}"/>
+                <a16:creationId xmlns:a16="http://schemas.microsoft.com/office/drawing/2014/main" xmlns="" id="{AEF840A7-49F1-4CC3-BD50-C404BAAE8C27}"/>
               </a:ext>
             </a:extLst>
           </p:cNvPr>
@@ -6783,7 +7675,7 @@
           <p:cNvPr id="18" name="מלבן 17">
             <a:extLst>
               <a:ext uri="{FF2B5EF4-FFF2-40B4-BE49-F238E27FC236}">
-                <a16:creationId xmlns:a16="http://schemas.microsoft.com/office/drawing/2014/main" id="{67A38C0B-17BC-4C26-85A5-3381FB901773}"/>
+                <a16:creationId xmlns:a16="http://schemas.microsoft.com/office/drawing/2014/main" xmlns="" id="{67A38C0B-17BC-4C26-85A5-3381FB901773}"/>
               </a:ext>
             </a:extLst>
           </p:cNvPr>
@@ -6832,7 +7724,7 @@
           <p:cNvPr id="19" name="מלבן 18">
             <a:extLst>
               <a:ext uri="{FF2B5EF4-FFF2-40B4-BE49-F238E27FC236}">
-                <a16:creationId xmlns:a16="http://schemas.microsoft.com/office/drawing/2014/main" id="{45282DE7-976A-456E-8882-2FD01609A580}"/>
+                <a16:creationId xmlns:a16="http://schemas.microsoft.com/office/drawing/2014/main" xmlns="" id="{45282DE7-976A-456E-8882-2FD01609A580}"/>
               </a:ext>
             </a:extLst>
           </p:cNvPr>
@@ -6881,7 +7773,7 @@
           <p:cNvPr id="20" name="מחבר ישר 19">
             <a:extLst>
               <a:ext uri="{FF2B5EF4-FFF2-40B4-BE49-F238E27FC236}">
-                <a16:creationId xmlns:a16="http://schemas.microsoft.com/office/drawing/2014/main" id="{DE6984B3-4D98-4008-BCD2-BFB9237073D4}"/>
+                <a16:creationId xmlns:a16="http://schemas.microsoft.com/office/drawing/2014/main" xmlns="" id="{DE6984B3-4D98-4008-BCD2-BFB9237073D4}"/>
               </a:ext>
             </a:extLst>
           </p:cNvPr>
@@ -6920,7 +7812,7 @@
           <p:cNvPr id="21" name="מחבר ישר 20">
             <a:extLst>
               <a:ext uri="{FF2B5EF4-FFF2-40B4-BE49-F238E27FC236}">
-                <a16:creationId xmlns:a16="http://schemas.microsoft.com/office/drawing/2014/main" id="{1DD446A2-1085-41D0-9301-8CA10736B435}"/>
+                <a16:creationId xmlns:a16="http://schemas.microsoft.com/office/drawing/2014/main" xmlns="" id="{1DD446A2-1085-41D0-9301-8CA10736B435}"/>
               </a:ext>
             </a:extLst>
           </p:cNvPr>
@@ -6959,7 +7851,7 @@
           <p:cNvPr id="22" name="מחבר ישר 21">
             <a:extLst>
               <a:ext uri="{FF2B5EF4-FFF2-40B4-BE49-F238E27FC236}">
-                <a16:creationId xmlns:a16="http://schemas.microsoft.com/office/drawing/2014/main" id="{76F7C192-77FF-458F-BF65-0BE8989FEA88}"/>
+                <a16:creationId xmlns:a16="http://schemas.microsoft.com/office/drawing/2014/main" xmlns="" id="{76F7C192-77FF-458F-BF65-0BE8989FEA88}"/>
               </a:ext>
             </a:extLst>
           </p:cNvPr>
@@ -6999,7 +7891,7 @@
           <p:cNvPr id="3" name="צורה חופשית: צורה 2">
             <a:extLst>
               <a:ext uri="{FF2B5EF4-FFF2-40B4-BE49-F238E27FC236}">
-                <a16:creationId xmlns:a16="http://schemas.microsoft.com/office/drawing/2014/main" id="{9766BDB8-AE13-4A3F-BDCF-FB0349AFD952}"/>
+                <a16:creationId xmlns:a16="http://schemas.microsoft.com/office/drawing/2014/main" xmlns="" id="{9766BDB8-AE13-4A3F-BDCF-FB0349AFD952}"/>
               </a:ext>
             </a:extLst>
           </p:cNvPr>
@@ -7107,7 +7999,7 @@
           <p:cNvPr id="6" name="צורה חופשית: צורה 5">
             <a:extLst>
               <a:ext uri="{FF2B5EF4-FFF2-40B4-BE49-F238E27FC236}">
-                <a16:creationId xmlns:a16="http://schemas.microsoft.com/office/drawing/2014/main" id="{1F9F0FFC-4789-45CC-9CAA-FED03786C60C}"/>
+                <a16:creationId xmlns:a16="http://schemas.microsoft.com/office/drawing/2014/main" xmlns="" id="{1F9F0FFC-4789-45CC-9CAA-FED03786C60C}"/>
               </a:ext>
             </a:extLst>
           </p:cNvPr>
@@ -7215,7 +8107,7 @@
           <p:cNvPr id="9" name="TextBox 8">
             <a:extLst>
               <a:ext uri="{FF2B5EF4-FFF2-40B4-BE49-F238E27FC236}">
-                <a16:creationId xmlns:a16="http://schemas.microsoft.com/office/drawing/2014/main" id="{274A06E0-7ABF-4365-B7AA-7C8B0D3DEA6B}"/>
+                <a16:creationId xmlns:a16="http://schemas.microsoft.com/office/drawing/2014/main" xmlns="" id="{274A06E0-7ABF-4365-B7AA-7C8B0D3DEA6B}"/>
               </a:ext>
             </a:extLst>
           </p:cNvPr>
@@ -7251,7 +8143,7 @@
           <p:cNvPr id="23" name="TextBox 22">
             <a:extLst>
               <a:ext uri="{FF2B5EF4-FFF2-40B4-BE49-F238E27FC236}">
-                <a16:creationId xmlns:a16="http://schemas.microsoft.com/office/drawing/2014/main" id="{21A9A8EF-3AE4-4255-9CB3-80248B0F9D6B}"/>
+                <a16:creationId xmlns:a16="http://schemas.microsoft.com/office/drawing/2014/main" xmlns="" id="{21A9A8EF-3AE4-4255-9CB3-80248B0F9D6B}"/>
               </a:ext>
             </a:extLst>
           </p:cNvPr>
@@ -7287,7 +8179,7 @@
           <p:cNvPr id="24" name="TextBox 23">
             <a:extLst>
               <a:ext uri="{FF2B5EF4-FFF2-40B4-BE49-F238E27FC236}">
-                <a16:creationId xmlns:a16="http://schemas.microsoft.com/office/drawing/2014/main" id="{6B22A887-6FB1-4131-8384-356A09DA1062}"/>
+                <a16:creationId xmlns:a16="http://schemas.microsoft.com/office/drawing/2014/main" xmlns="" id="{6B22A887-6FB1-4131-8384-356A09DA1062}"/>
               </a:ext>
             </a:extLst>
           </p:cNvPr>
@@ -7323,7 +8215,7 @@
           <p:cNvPr id="25" name="TextBox 24">
             <a:extLst>
               <a:ext uri="{FF2B5EF4-FFF2-40B4-BE49-F238E27FC236}">
-                <a16:creationId xmlns:a16="http://schemas.microsoft.com/office/drawing/2014/main" id="{8AE94997-DD47-42F3-82DA-B5320E96A6AD}"/>
+                <a16:creationId xmlns:a16="http://schemas.microsoft.com/office/drawing/2014/main" xmlns="" id="{8AE94997-DD47-42F3-82DA-B5320E96A6AD}"/>
               </a:ext>
             </a:extLst>
           </p:cNvPr>
@@ -7389,7 +8281,7 @@
           <p:cNvPr id="2" name="כותרת 1">
             <a:extLst>
               <a:ext uri="{FF2B5EF4-FFF2-40B4-BE49-F238E27FC236}">
-                <a16:creationId xmlns:a16="http://schemas.microsoft.com/office/drawing/2014/main" id="{74BBF409-BF35-46F6-B4BA-E377F2C6A643}"/>
+                <a16:creationId xmlns:a16="http://schemas.microsoft.com/office/drawing/2014/main" xmlns="" id="{74BBF409-BF35-46F6-B4BA-E377F2C6A643}"/>
               </a:ext>
             </a:extLst>
           </p:cNvPr>
@@ -7423,7 +8315,7 @@
           <p:cNvPr id="4" name="מלבן 3">
             <a:extLst>
               <a:ext uri="{FF2B5EF4-FFF2-40B4-BE49-F238E27FC236}">
-                <a16:creationId xmlns:a16="http://schemas.microsoft.com/office/drawing/2014/main" id="{16A17290-79A4-44E3-B60A-7DF65ECB454B}"/>
+                <a16:creationId xmlns:a16="http://schemas.microsoft.com/office/drawing/2014/main" xmlns="" id="{16A17290-79A4-44E3-B60A-7DF65ECB454B}"/>
               </a:ext>
             </a:extLst>
           </p:cNvPr>
@@ -7472,7 +8364,7 @@
           <p:cNvPr id="5" name="מלבן 4">
             <a:extLst>
               <a:ext uri="{FF2B5EF4-FFF2-40B4-BE49-F238E27FC236}">
-                <a16:creationId xmlns:a16="http://schemas.microsoft.com/office/drawing/2014/main" id="{093D5480-EF4E-4A1D-BF29-0E2BC6D1F61E}"/>
+                <a16:creationId xmlns:a16="http://schemas.microsoft.com/office/drawing/2014/main" xmlns="" id="{093D5480-EF4E-4A1D-BF29-0E2BC6D1F61E}"/>
               </a:ext>
             </a:extLst>
           </p:cNvPr>
@@ -7521,7 +8413,7 @@
           <p:cNvPr id="7" name="מלבן 6">
             <a:extLst>
               <a:ext uri="{FF2B5EF4-FFF2-40B4-BE49-F238E27FC236}">
-                <a16:creationId xmlns:a16="http://schemas.microsoft.com/office/drawing/2014/main" id="{CF6B58D0-3735-4167-90DB-709ABB28C246}"/>
+                <a16:creationId xmlns:a16="http://schemas.microsoft.com/office/drawing/2014/main" xmlns="" id="{CF6B58D0-3735-4167-90DB-709ABB28C246}"/>
               </a:ext>
             </a:extLst>
           </p:cNvPr>
@@ -7570,7 +8462,7 @@
           <p:cNvPr id="8" name="מלבן 7">
             <a:extLst>
               <a:ext uri="{FF2B5EF4-FFF2-40B4-BE49-F238E27FC236}">
-                <a16:creationId xmlns:a16="http://schemas.microsoft.com/office/drawing/2014/main" id="{3B277FB1-B1D4-42B6-A80C-772BAE22CA27}"/>
+                <a16:creationId xmlns:a16="http://schemas.microsoft.com/office/drawing/2014/main" xmlns="" id="{3B277FB1-B1D4-42B6-A80C-772BAE22CA27}"/>
               </a:ext>
             </a:extLst>
           </p:cNvPr>
@@ -7619,7 +8511,7 @@
           <p:cNvPr id="10" name="מחבר ישר 9">
             <a:extLst>
               <a:ext uri="{FF2B5EF4-FFF2-40B4-BE49-F238E27FC236}">
-                <a16:creationId xmlns:a16="http://schemas.microsoft.com/office/drawing/2014/main" id="{5C0F1EFE-D47B-43DE-B9BE-82F2E1250831}"/>
+                <a16:creationId xmlns:a16="http://schemas.microsoft.com/office/drawing/2014/main" xmlns="" id="{5C0F1EFE-D47B-43DE-B9BE-82F2E1250831}"/>
               </a:ext>
             </a:extLst>
           </p:cNvPr>
@@ -7658,7 +8550,7 @@
           <p:cNvPr id="12" name="מחבר ישר 11">
             <a:extLst>
               <a:ext uri="{FF2B5EF4-FFF2-40B4-BE49-F238E27FC236}">
-                <a16:creationId xmlns:a16="http://schemas.microsoft.com/office/drawing/2014/main" id="{D2C144BF-C7E3-48AC-8EC6-DD2E880B689F}"/>
+                <a16:creationId xmlns:a16="http://schemas.microsoft.com/office/drawing/2014/main" xmlns="" id="{D2C144BF-C7E3-48AC-8EC6-DD2E880B689F}"/>
               </a:ext>
             </a:extLst>
           </p:cNvPr>
@@ -7697,7 +8589,7 @@
           <p:cNvPr id="14" name="מחבר ישר 13">
             <a:extLst>
               <a:ext uri="{FF2B5EF4-FFF2-40B4-BE49-F238E27FC236}">
-                <a16:creationId xmlns:a16="http://schemas.microsoft.com/office/drawing/2014/main" id="{B08E45C6-1EBD-414F-A975-F4CF1CF5A956}"/>
+                <a16:creationId xmlns:a16="http://schemas.microsoft.com/office/drawing/2014/main" xmlns="" id="{B08E45C6-1EBD-414F-A975-F4CF1CF5A956}"/>
               </a:ext>
             </a:extLst>
           </p:cNvPr>
@@ -7736,7 +8628,7 @@
           <p:cNvPr id="17" name="מלבן 16">
             <a:extLst>
               <a:ext uri="{FF2B5EF4-FFF2-40B4-BE49-F238E27FC236}">
-                <a16:creationId xmlns:a16="http://schemas.microsoft.com/office/drawing/2014/main" id="{AEF840A7-49F1-4CC3-BD50-C404BAAE8C27}"/>
+                <a16:creationId xmlns:a16="http://schemas.microsoft.com/office/drawing/2014/main" xmlns="" id="{AEF840A7-49F1-4CC3-BD50-C404BAAE8C27}"/>
               </a:ext>
             </a:extLst>
           </p:cNvPr>
@@ -7785,7 +8677,7 @@
           <p:cNvPr id="18" name="מלבן 17">
             <a:extLst>
               <a:ext uri="{FF2B5EF4-FFF2-40B4-BE49-F238E27FC236}">
-                <a16:creationId xmlns:a16="http://schemas.microsoft.com/office/drawing/2014/main" id="{67A38C0B-17BC-4C26-85A5-3381FB901773}"/>
+                <a16:creationId xmlns:a16="http://schemas.microsoft.com/office/drawing/2014/main" xmlns="" id="{67A38C0B-17BC-4C26-85A5-3381FB901773}"/>
               </a:ext>
             </a:extLst>
           </p:cNvPr>
@@ -7834,7 +8726,7 @@
           <p:cNvPr id="19" name="מלבן 18">
             <a:extLst>
               <a:ext uri="{FF2B5EF4-FFF2-40B4-BE49-F238E27FC236}">
-                <a16:creationId xmlns:a16="http://schemas.microsoft.com/office/drawing/2014/main" id="{45282DE7-976A-456E-8882-2FD01609A580}"/>
+                <a16:creationId xmlns:a16="http://schemas.microsoft.com/office/drawing/2014/main" xmlns="" id="{45282DE7-976A-456E-8882-2FD01609A580}"/>
               </a:ext>
             </a:extLst>
           </p:cNvPr>
@@ -7883,7 +8775,7 @@
           <p:cNvPr id="20" name="מחבר ישר 19">
             <a:extLst>
               <a:ext uri="{FF2B5EF4-FFF2-40B4-BE49-F238E27FC236}">
-                <a16:creationId xmlns:a16="http://schemas.microsoft.com/office/drawing/2014/main" id="{DE6984B3-4D98-4008-BCD2-BFB9237073D4}"/>
+                <a16:creationId xmlns:a16="http://schemas.microsoft.com/office/drawing/2014/main" xmlns="" id="{DE6984B3-4D98-4008-BCD2-BFB9237073D4}"/>
               </a:ext>
             </a:extLst>
           </p:cNvPr>
@@ -7922,7 +8814,7 @@
           <p:cNvPr id="21" name="מחבר ישר 20">
             <a:extLst>
               <a:ext uri="{FF2B5EF4-FFF2-40B4-BE49-F238E27FC236}">
-                <a16:creationId xmlns:a16="http://schemas.microsoft.com/office/drawing/2014/main" id="{1DD446A2-1085-41D0-9301-8CA10736B435}"/>
+                <a16:creationId xmlns:a16="http://schemas.microsoft.com/office/drawing/2014/main" xmlns="" id="{1DD446A2-1085-41D0-9301-8CA10736B435}"/>
               </a:ext>
             </a:extLst>
           </p:cNvPr>
@@ -7961,7 +8853,7 @@
           <p:cNvPr id="22" name="מחבר ישר 21">
             <a:extLst>
               <a:ext uri="{FF2B5EF4-FFF2-40B4-BE49-F238E27FC236}">
-                <a16:creationId xmlns:a16="http://schemas.microsoft.com/office/drawing/2014/main" id="{76F7C192-77FF-458F-BF65-0BE8989FEA88}"/>
+                <a16:creationId xmlns:a16="http://schemas.microsoft.com/office/drawing/2014/main" xmlns="" id="{76F7C192-77FF-458F-BF65-0BE8989FEA88}"/>
               </a:ext>
             </a:extLst>
           </p:cNvPr>
@@ -8001,7 +8893,7 @@
           <p:cNvPr id="3" name="צורה חופשית: צורה 2">
             <a:extLst>
               <a:ext uri="{FF2B5EF4-FFF2-40B4-BE49-F238E27FC236}">
-                <a16:creationId xmlns:a16="http://schemas.microsoft.com/office/drawing/2014/main" id="{9766BDB8-AE13-4A3F-BDCF-FB0349AFD952}"/>
+                <a16:creationId xmlns:a16="http://schemas.microsoft.com/office/drawing/2014/main" xmlns="" id="{9766BDB8-AE13-4A3F-BDCF-FB0349AFD952}"/>
               </a:ext>
             </a:extLst>
           </p:cNvPr>
@@ -8109,7 +9001,7 @@
           <p:cNvPr id="6" name="צורה חופשית: צורה 5">
             <a:extLst>
               <a:ext uri="{FF2B5EF4-FFF2-40B4-BE49-F238E27FC236}">
-                <a16:creationId xmlns:a16="http://schemas.microsoft.com/office/drawing/2014/main" id="{1F9F0FFC-4789-45CC-9CAA-FED03786C60C}"/>
+                <a16:creationId xmlns:a16="http://schemas.microsoft.com/office/drawing/2014/main" xmlns="" id="{1F9F0FFC-4789-45CC-9CAA-FED03786C60C}"/>
               </a:ext>
             </a:extLst>
           </p:cNvPr>
@@ -8217,7 +9109,7 @@
           <p:cNvPr id="9" name="TextBox 8">
             <a:extLst>
               <a:ext uri="{FF2B5EF4-FFF2-40B4-BE49-F238E27FC236}">
-                <a16:creationId xmlns:a16="http://schemas.microsoft.com/office/drawing/2014/main" id="{274A06E0-7ABF-4365-B7AA-7C8B0D3DEA6B}"/>
+                <a16:creationId xmlns:a16="http://schemas.microsoft.com/office/drawing/2014/main" xmlns="" id="{274A06E0-7ABF-4365-B7AA-7C8B0D3DEA6B}"/>
               </a:ext>
             </a:extLst>
           </p:cNvPr>
@@ -8253,7 +9145,7 @@
           <p:cNvPr id="23" name="TextBox 22">
             <a:extLst>
               <a:ext uri="{FF2B5EF4-FFF2-40B4-BE49-F238E27FC236}">
-                <a16:creationId xmlns:a16="http://schemas.microsoft.com/office/drawing/2014/main" id="{21A9A8EF-3AE4-4255-9CB3-80248B0F9D6B}"/>
+                <a16:creationId xmlns:a16="http://schemas.microsoft.com/office/drawing/2014/main" xmlns="" id="{21A9A8EF-3AE4-4255-9CB3-80248B0F9D6B}"/>
               </a:ext>
             </a:extLst>
           </p:cNvPr>
@@ -8289,7 +9181,7 @@
           <p:cNvPr id="24" name="TextBox 23">
             <a:extLst>
               <a:ext uri="{FF2B5EF4-FFF2-40B4-BE49-F238E27FC236}">
-                <a16:creationId xmlns:a16="http://schemas.microsoft.com/office/drawing/2014/main" id="{6B22A887-6FB1-4131-8384-356A09DA1062}"/>
+                <a16:creationId xmlns:a16="http://schemas.microsoft.com/office/drawing/2014/main" xmlns="" id="{6B22A887-6FB1-4131-8384-356A09DA1062}"/>
               </a:ext>
             </a:extLst>
           </p:cNvPr>
@@ -8325,7 +9217,7 @@
           <p:cNvPr id="25" name="צורה חופשית: צורה 24">
             <a:extLst>
               <a:ext uri="{FF2B5EF4-FFF2-40B4-BE49-F238E27FC236}">
-                <a16:creationId xmlns:a16="http://schemas.microsoft.com/office/drawing/2014/main" id="{26EA0061-E2E2-419B-AE4C-7AE86CBFB6B7}"/>
+                <a16:creationId xmlns:a16="http://schemas.microsoft.com/office/drawing/2014/main" xmlns="" id="{26EA0061-E2E2-419B-AE4C-7AE86CBFB6B7}"/>
               </a:ext>
             </a:extLst>
           </p:cNvPr>
@@ -8423,7 +9315,7 @@
           <p:cNvPr id="26" name="TextBox 25">
             <a:extLst>
               <a:ext uri="{FF2B5EF4-FFF2-40B4-BE49-F238E27FC236}">
-                <a16:creationId xmlns:a16="http://schemas.microsoft.com/office/drawing/2014/main" id="{2208248D-7001-4217-BB35-9B20861CEA36}"/>
+                <a16:creationId xmlns:a16="http://schemas.microsoft.com/office/drawing/2014/main" xmlns="" id="{2208248D-7001-4217-BB35-9B20861CEA36}"/>
               </a:ext>
             </a:extLst>
           </p:cNvPr>
@@ -8462,7 +9354,7 @@
           <p:cNvPr id="27" name="TextBox 26">
             <a:extLst>
               <a:ext uri="{FF2B5EF4-FFF2-40B4-BE49-F238E27FC236}">
-                <a16:creationId xmlns:a16="http://schemas.microsoft.com/office/drawing/2014/main" id="{B0DC9028-5804-407A-8BE7-79506FBF96EE}"/>
+                <a16:creationId xmlns:a16="http://schemas.microsoft.com/office/drawing/2014/main" xmlns="" id="{B0DC9028-5804-407A-8BE7-79506FBF96EE}"/>
               </a:ext>
             </a:extLst>
           </p:cNvPr>
@@ -8498,7 +9390,7 @@
           <p:cNvPr id="28" name="TextBox 27">
             <a:extLst>
               <a:ext uri="{FF2B5EF4-FFF2-40B4-BE49-F238E27FC236}">
-                <a16:creationId xmlns:a16="http://schemas.microsoft.com/office/drawing/2014/main" id="{B81E92AA-98F0-4AF4-A8D5-B86F989DA717}"/>
+                <a16:creationId xmlns:a16="http://schemas.microsoft.com/office/drawing/2014/main" xmlns="" id="{B81E92AA-98F0-4AF4-A8D5-B86F989DA717}"/>
               </a:ext>
             </a:extLst>
           </p:cNvPr>
@@ -8534,7 +9426,7 @@
           <p:cNvPr id="29" name="TextBox 28">
             <a:extLst>
               <a:ext uri="{FF2B5EF4-FFF2-40B4-BE49-F238E27FC236}">
-                <a16:creationId xmlns:a16="http://schemas.microsoft.com/office/drawing/2014/main" id="{369EE098-3C2B-458C-B289-ADCF09AA5802}"/>
+                <a16:creationId xmlns:a16="http://schemas.microsoft.com/office/drawing/2014/main" xmlns="" id="{369EE098-3C2B-458C-B289-ADCF09AA5802}"/>
               </a:ext>
             </a:extLst>
           </p:cNvPr>
@@ -8600,7 +9492,7 @@
           <p:cNvPr id="2" name="כותרת 1">
             <a:extLst>
               <a:ext uri="{FF2B5EF4-FFF2-40B4-BE49-F238E27FC236}">
-                <a16:creationId xmlns:a16="http://schemas.microsoft.com/office/drawing/2014/main" id="{74BBF409-BF35-46F6-B4BA-E377F2C6A643}"/>
+                <a16:creationId xmlns:a16="http://schemas.microsoft.com/office/drawing/2014/main" xmlns="" id="{74BBF409-BF35-46F6-B4BA-E377F2C6A643}"/>
               </a:ext>
             </a:extLst>
           </p:cNvPr>
@@ -8634,7 +9526,7 @@
           <p:cNvPr id="4" name="מלבן 3">
             <a:extLst>
               <a:ext uri="{FF2B5EF4-FFF2-40B4-BE49-F238E27FC236}">
-                <a16:creationId xmlns:a16="http://schemas.microsoft.com/office/drawing/2014/main" id="{16A17290-79A4-44E3-B60A-7DF65ECB454B}"/>
+                <a16:creationId xmlns:a16="http://schemas.microsoft.com/office/drawing/2014/main" xmlns="" id="{16A17290-79A4-44E3-B60A-7DF65ECB454B}"/>
               </a:ext>
             </a:extLst>
           </p:cNvPr>
@@ -8683,7 +9575,7 @@
           <p:cNvPr id="5" name="מלבן 4">
             <a:extLst>
               <a:ext uri="{FF2B5EF4-FFF2-40B4-BE49-F238E27FC236}">
-                <a16:creationId xmlns:a16="http://schemas.microsoft.com/office/drawing/2014/main" id="{093D5480-EF4E-4A1D-BF29-0E2BC6D1F61E}"/>
+                <a16:creationId xmlns:a16="http://schemas.microsoft.com/office/drawing/2014/main" xmlns="" id="{093D5480-EF4E-4A1D-BF29-0E2BC6D1F61E}"/>
               </a:ext>
             </a:extLst>
           </p:cNvPr>
@@ -8732,7 +9624,7 @@
           <p:cNvPr id="7" name="מלבן 6">
             <a:extLst>
               <a:ext uri="{FF2B5EF4-FFF2-40B4-BE49-F238E27FC236}">
-                <a16:creationId xmlns:a16="http://schemas.microsoft.com/office/drawing/2014/main" id="{CF6B58D0-3735-4167-90DB-709ABB28C246}"/>
+                <a16:creationId xmlns:a16="http://schemas.microsoft.com/office/drawing/2014/main" xmlns="" id="{CF6B58D0-3735-4167-90DB-709ABB28C246}"/>
               </a:ext>
             </a:extLst>
           </p:cNvPr>
@@ -8781,7 +9673,7 @@
           <p:cNvPr id="8" name="מלבן 7">
             <a:extLst>
               <a:ext uri="{FF2B5EF4-FFF2-40B4-BE49-F238E27FC236}">
-                <a16:creationId xmlns:a16="http://schemas.microsoft.com/office/drawing/2014/main" id="{3B277FB1-B1D4-42B6-A80C-772BAE22CA27}"/>
+                <a16:creationId xmlns:a16="http://schemas.microsoft.com/office/drawing/2014/main" xmlns="" id="{3B277FB1-B1D4-42B6-A80C-772BAE22CA27}"/>
               </a:ext>
             </a:extLst>
           </p:cNvPr>
@@ -8830,7 +9722,7 @@
           <p:cNvPr id="10" name="מחבר ישר 9">
             <a:extLst>
               <a:ext uri="{FF2B5EF4-FFF2-40B4-BE49-F238E27FC236}">
-                <a16:creationId xmlns:a16="http://schemas.microsoft.com/office/drawing/2014/main" id="{5C0F1EFE-D47B-43DE-B9BE-82F2E1250831}"/>
+                <a16:creationId xmlns:a16="http://schemas.microsoft.com/office/drawing/2014/main" xmlns="" id="{5C0F1EFE-D47B-43DE-B9BE-82F2E1250831}"/>
               </a:ext>
             </a:extLst>
           </p:cNvPr>
@@ -8869,7 +9761,7 @@
           <p:cNvPr id="12" name="מחבר ישר 11">
             <a:extLst>
               <a:ext uri="{FF2B5EF4-FFF2-40B4-BE49-F238E27FC236}">
-                <a16:creationId xmlns:a16="http://schemas.microsoft.com/office/drawing/2014/main" id="{D2C144BF-C7E3-48AC-8EC6-DD2E880B689F}"/>
+                <a16:creationId xmlns:a16="http://schemas.microsoft.com/office/drawing/2014/main" xmlns="" id="{D2C144BF-C7E3-48AC-8EC6-DD2E880B689F}"/>
               </a:ext>
             </a:extLst>
           </p:cNvPr>
@@ -8908,7 +9800,7 @@
           <p:cNvPr id="14" name="מחבר ישר 13">
             <a:extLst>
               <a:ext uri="{FF2B5EF4-FFF2-40B4-BE49-F238E27FC236}">
-                <a16:creationId xmlns:a16="http://schemas.microsoft.com/office/drawing/2014/main" id="{B08E45C6-1EBD-414F-A975-F4CF1CF5A956}"/>
+                <a16:creationId xmlns:a16="http://schemas.microsoft.com/office/drawing/2014/main" xmlns="" id="{B08E45C6-1EBD-414F-A975-F4CF1CF5A956}"/>
               </a:ext>
             </a:extLst>
           </p:cNvPr>
@@ -8947,7 +9839,7 @@
           <p:cNvPr id="17" name="מלבן 16">
             <a:extLst>
               <a:ext uri="{FF2B5EF4-FFF2-40B4-BE49-F238E27FC236}">
-                <a16:creationId xmlns:a16="http://schemas.microsoft.com/office/drawing/2014/main" id="{AEF840A7-49F1-4CC3-BD50-C404BAAE8C27}"/>
+                <a16:creationId xmlns:a16="http://schemas.microsoft.com/office/drawing/2014/main" xmlns="" id="{AEF840A7-49F1-4CC3-BD50-C404BAAE8C27}"/>
               </a:ext>
             </a:extLst>
           </p:cNvPr>
@@ -8996,7 +9888,7 @@
           <p:cNvPr id="18" name="מלבן 17">
             <a:extLst>
               <a:ext uri="{FF2B5EF4-FFF2-40B4-BE49-F238E27FC236}">
-                <a16:creationId xmlns:a16="http://schemas.microsoft.com/office/drawing/2014/main" id="{67A38C0B-17BC-4C26-85A5-3381FB901773}"/>
+                <a16:creationId xmlns:a16="http://schemas.microsoft.com/office/drawing/2014/main" xmlns="" id="{67A38C0B-17BC-4C26-85A5-3381FB901773}"/>
               </a:ext>
             </a:extLst>
           </p:cNvPr>
@@ -9045,7 +9937,7 @@
           <p:cNvPr id="19" name="מלבן 18">
             <a:extLst>
               <a:ext uri="{FF2B5EF4-FFF2-40B4-BE49-F238E27FC236}">
-                <a16:creationId xmlns:a16="http://schemas.microsoft.com/office/drawing/2014/main" id="{45282DE7-976A-456E-8882-2FD01609A580}"/>
+                <a16:creationId xmlns:a16="http://schemas.microsoft.com/office/drawing/2014/main" xmlns="" id="{45282DE7-976A-456E-8882-2FD01609A580}"/>
               </a:ext>
             </a:extLst>
           </p:cNvPr>
@@ -9094,7 +9986,7 @@
           <p:cNvPr id="20" name="מחבר ישר 19">
             <a:extLst>
               <a:ext uri="{FF2B5EF4-FFF2-40B4-BE49-F238E27FC236}">
-                <a16:creationId xmlns:a16="http://schemas.microsoft.com/office/drawing/2014/main" id="{DE6984B3-4D98-4008-BCD2-BFB9237073D4}"/>
+                <a16:creationId xmlns:a16="http://schemas.microsoft.com/office/drawing/2014/main" xmlns="" id="{DE6984B3-4D98-4008-BCD2-BFB9237073D4}"/>
               </a:ext>
             </a:extLst>
           </p:cNvPr>
@@ -9133,7 +10025,7 @@
           <p:cNvPr id="21" name="מחבר ישר 20">
             <a:extLst>
               <a:ext uri="{FF2B5EF4-FFF2-40B4-BE49-F238E27FC236}">
-                <a16:creationId xmlns:a16="http://schemas.microsoft.com/office/drawing/2014/main" id="{1DD446A2-1085-41D0-9301-8CA10736B435}"/>
+                <a16:creationId xmlns:a16="http://schemas.microsoft.com/office/drawing/2014/main" xmlns="" id="{1DD446A2-1085-41D0-9301-8CA10736B435}"/>
               </a:ext>
             </a:extLst>
           </p:cNvPr>
@@ -9172,7 +10064,7 @@
           <p:cNvPr id="22" name="מחבר ישר 21">
             <a:extLst>
               <a:ext uri="{FF2B5EF4-FFF2-40B4-BE49-F238E27FC236}">
-                <a16:creationId xmlns:a16="http://schemas.microsoft.com/office/drawing/2014/main" id="{76F7C192-77FF-458F-BF65-0BE8989FEA88}"/>
+                <a16:creationId xmlns:a16="http://schemas.microsoft.com/office/drawing/2014/main" xmlns="" id="{76F7C192-77FF-458F-BF65-0BE8989FEA88}"/>
               </a:ext>
             </a:extLst>
           </p:cNvPr>
@@ -9212,7 +10104,7 @@
           <p:cNvPr id="3" name="צורה חופשית: צורה 2">
             <a:extLst>
               <a:ext uri="{FF2B5EF4-FFF2-40B4-BE49-F238E27FC236}">
-                <a16:creationId xmlns:a16="http://schemas.microsoft.com/office/drawing/2014/main" id="{9766BDB8-AE13-4A3F-BDCF-FB0349AFD952}"/>
+                <a16:creationId xmlns:a16="http://schemas.microsoft.com/office/drawing/2014/main" xmlns="" id="{9766BDB8-AE13-4A3F-BDCF-FB0349AFD952}"/>
               </a:ext>
             </a:extLst>
           </p:cNvPr>
@@ -9320,7 +10212,7 @@
           <p:cNvPr id="6" name="צורה חופשית: צורה 5">
             <a:extLst>
               <a:ext uri="{FF2B5EF4-FFF2-40B4-BE49-F238E27FC236}">
-                <a16:creationId xmlns:a16="http://schemas.microsoft.com/office/drawing/2014/main" id="{1F9F0FFC-4789-45CC-9CAA-FED03786C60C}"/>
+                <a16:creationId xmlns:a16="http://schemas.microsoft.com/office/drawing/2014/main" xmlns="" id="{1F9F0FFC-4789-45CC-9CAA-FED03786C60C}"/>
               </a:ext>
             </a:extLst>
           </p:cNvPr>
@@ -9428,7 +10320,7 @@
           <p:cNvPr id="9" name="TextBox 8">
             <a:extLst>
               <a:ext uri="{FF2B5EF4-FFF2-40B4-BE49-F238E27FC236}">
-                <a16:creationId xmlns:a16="http://schemas.microsoft.com/office/drawing/2014/main" id="{274A06E0-7ABF-4365-B7AA-7C8B0D3DEA6B}"/>
+                <a16:creationId xmlns:a16="http://schemas.microsoft.com/office/drawing/2014/main" xmlns="" id="{274A06E0-7ABF-4365-B7AA-7C8B0D3DEA6B}"/>
               </a:ext>
             </a:extLst>
           </p:cNvPr>
@@ -9464,7 +10356,7 @@
           <p:cNvPr id="23" name="TextBox 22">
             <a:extLst>
               <a:ext uri="{FF2B5EF4-FFF2-40B4-BE49-F238E27FC236}">
-                <a16:creationId xmlns:a16="http://schemas.microsoft.com/office/drawing/2014/main" id="{21A9A8EF-3AE4-4255-9CB3-80248B0F9D6B}"/>
+                <a16:creationId xmlns:a16="http://schemas.microsoft.com/office/drawing/2014/main" xmlns="" id="{21A9A8EF-3AE4-4255-9CB3-80248B0F9D6B}"/>
               </a:ext>
             </a:extLst>
           </p:cNvPr>
@@ -9500,7 +10392,7 @@
           <p:cNvPr id="24" name="TextBox 23">
             <a:extLst>
               <a:ext uri="{FF2B5EF4-FFF2-40B4-BE49-F238E27FC236}">
-                <a16:creationId xmlns:a16="http://schemas.microsoft.com/office/drawing/2014/main" id="{6B22A887-6FB1-4131-8384-356A09DA1062}"/>
+                <a16:creationId xmlns:a16="http://schemas.microsoft.com/office/drawing/2014/main" xmlns="" id="{6B22A887-6FB1-4131-8384-356A09DA1062}"/>
               </a:ext>
             </a:extLst>
           </p:cNvPr>
@@ -9536,7 +10428,7 @@
           <p:cNvPr id="25" name="צורה חופשית: צורה 24">
             <a:extLst>
               <a:ext uri="{FF2B5EF4-FFF2-40B4-BE49-F238E27FC236}">
-                <a16:creationId xmlns:a16="http://schemas.microsoft.com/office/drawing/2014/main" id="{26EA0061-E2E2-419B-AE4C-7AE86CBFB6B7}"/>
+                <a16:creationId xmlns:a16="http://schemas.microsoft.com/office/drawing/2014/main" xmlns="" id="{26EA0061-E2E2-419B-AE4C-7AE86CBFB6B7}"/>
               </a:ext>
             </a:extLst>
           </p:cNvPr>
@@ -9634,7 +10526,7 @@
           <p:cNvPr id="26" name="TextBox 25">
             <a:extLst>
               <a:ext uri="{FF2B5EF4-FFF2-40B4-BE49-F238E27FC236}">
-                <a16:creationId xmlns:a16="http://schemas.microsoft.com/office/drawing/2014/main" id="{2208248D-7001-4217-BB35-9B20861CEA36}"/>
+                <a16:creationId xmlns:a16="http://schemas.microsoft.com/office/drawing/2014/main" xmlns="" id="{2208248D-7001-4217-BB35-9B20861CEA36}"/>
               </a:ext>
             </a:extLst>
           </p:cNvPr>
@@ -9673,7 +10565,7 @@
           <p:cNvPr id="28" name="תמונה 27" descr="תמונה שמכילה אובייקט&#10;&#10;תיאור שנוצר ברמת מהימנות גבוהה">
             <a:extLst>
               <a:ext uri="{FF2B5EF4-FFF2-40B4-BE49-F238E27FC236}">
-                <a16:creationId xmlns:a16="http://schemas.microsoft.com/office/drawing/2014/main" id="{C28B77BE-4C4E-4EA9-9C4B-3B90DD4016D6}"/>
+                <a16:creationId xmlns:a16="http://schemas.microsoft.com/office/drawing/2014/main" xmlns="" id="{C28B77BE-4C4E-4EA9-9C4B-3B90DD4016D6}"/>
               </a:ext>
             </a:extLst>
           </p:cNvPr>
@@ -9709,7 +10601,7 @@
           <p:cNvPr id="29" name="TextBox 28">
             <a:extLst>
               <a:ext uri="{FF2B5EF4-FFF2-40B4-BE49-F238E27FC236}">
-                <a16:creationId xmlns:a16="http://schemas.microsoft.com/office/drawing/2014/main" id="{B9F20D43-6FB1-4D6F-935A-85C42C417B42}"/>
+                <a16:creationId xmlns:a16="http://schemas.microsoft.com/office/drawing/2014/main" xmlns="" id="{B9F20D43-6FB1-4D6F-935A-85C42C417B42}"/>
               </a:ext>
             </a:extLst>
           </p:cNvPr>
@@ -9745,7 +10637,7 @@
           <p:cNvPr id="30" name="TextBox 29">
             <a:extLst>
               <a:ext uri="{FF2B5EF4-FFF2-40B4-BE49-F238E27FC236}">
-                <a16:creationId xmlns:a16="http://schemas.microsoft.com/office/drawing/2014/main" id="{38AF737D-7E1F-4752-9156-C19114B952D2}"/>
+                <a16:creationId xmlns:a16="http://schemas.microsoft.com/office/drawing/2014/main" xmlns="" id="{38AF737D-7E1F-4752-9156-C19114B952D2}"/>
               </a:ext>
             </a:extLst>
           </p:cNvPr>
@@ -9781,7 +10673,7 @@
           <p:cNvPr id="31" name="TextBox 30">
             <a:extLst>
               <a:ext uri="{FF2B5EF4-FFF2-40B4-BE49-F238E27FC236}">
-                <a16:creationId xmlns:a16="http://schemas.microsoft.com/office/drawing/2014/main" id="{0B5D0A86-CF76-461A-9276-D9FB47D05B77}"/>
+                <a16:creationId xmlns:a16="http://schemas.microsoft.com/office/drawing/2014/main" xmlns="" id="{0B5D0A86-CF76-461A-9276-D9FB47D05B77}"/>
               </a:ext>
             </a:extLst>
           </p:cNvPr>
@@ -9847,7 +10739,7 @@
           <p:cNvPr id="2" name="כותרת 1">
             <a:extLst>
               <a:ext uri="{FF2B5EF4-FFF2-40B4-BE49-F238E27FC236}">
-                <a16:creationId xmlns:a16="http://schemas.microsoft.com/office/drawing/2014/main" id="{FC51E75D-F8CF-4C39-BF89-45E790B7CCAE}"/>
+                <a16:creationId xmlns:a16="http://schemas.microsoft.com/office/drawing/2014/main" xmlns="" id="{FC51E75D-F8CF-4C39-BF89-45E790B7CCAE}"/>
               </a:ext>
             </a:extLst>
           </p:cNvPr>
@@ -9876,7 +10768,7 @@
           <p:cNvPr id="5" name="תמונה 4">
             <a:extLst>
               <a:ext uri="{FF2B5EF4-FFF2-40B4-BE49-F238E27FC236}">
-                <a16:creationId xmlns:a16="http://schemas.microsoft.com/office/drawing/2014/main" id="{2AA2E57C-4684-4EDB-945A-BA3813266197}"/>
+                <a16:creationId xmlns:a16="http://schemas.microsoft.com/office/drawing/2014/main" xmlns="" id="{2AA2E57C-4684-4EDB-945A-BA3813266197}"/>
               </a:ext>
             </a:extLst>
           </p:cNvPr>
@@ -9906,7 +10798,7 @@
           <p:cNvPr id="6" name="תמונה 5">
             <a:extLst>
               <a:ext uri="{FF2B5EF4-FFF2-40B4-BE49-F238E27FC236}">
-                <a16:creationId xmlns:a16="http://schemas.microsoft.com/office/drawing/2014/main" id="{30205034-AB10-4DC3-9478-0F2B13F181D6}"/>
+                <a16:creationId xmlns:a16="http://schemas.microsoft.com/office/drawing/2014/main" xmlns="" id="{30205034-AB10-4DC3-9478-0F2B13F181D6}"/>
               </a:ext>
             </a:extLst>
           </p:cNvPr>
@@ -9936,7 +10828,7 @@
           <p:cNvPr id="7" name="תמונה 6">
             <a:extLst>
               <a:ext uri="{FF2B5EF4-FFF2-40B4-BE49-F238E27FC236}">
-                <a16:creationId xmlns:a16="http://schemas.microsoft.com/office/drawing/2014/main" id="{374F98D3-0912-41AF-BDCE-759A5C39DF0B}"/>
+                <a16:creationId xmlns:a16="http://schemas.microsoft.com/office/drawing/2014/main" xmlns="" id="{374F98D3-0912-41AF-BDCE-759A5C39DF0B}"/>
               </a:ext>
             </a:extLst>
           </p:cNvPr>
@@ -9966,7 +10858,7 @@
           <p:cNvPr id="8" name="תמונה 7">
             <a:extLst>
               <a:ext uri="{FF2B5EF4-FFF2-40B4-BE49-F238E27FC236}">
-                <a16:creationId xmlns:a16="http://schemas.microsoft.com/office/drawing/2014/main" id="{39903A0B-48FD-43EF-B36E-D5E7335B99BD}"/>
+                <a16:creationId xmlns:a16="http://schemas.microsoft.com/office/drawing/2014/main" xmlns="" id="{39903A0B-48FD-43EF-B36E-D5E7335B99BD}"/>
               </a:ext>
             </a:extLst>
           </p:cNvPr>
@@ -9996,7 +10888,7 @@
           <p:cNvPr id="9" name="תמונה 8">
             <a:extLst>
               <a:ext uri="{FF2B5EF4-FFF2-40B4-BE49-F238E27FC236}">
-                <a16:creationId xmlns:a16="http://schemas.microsoft.com/office/drawing/2014/main" id="{8BBB1053-8B1D-4C3E-841D-9D8A78960D4A}"/>
+                <a16:creationId xmlns:a16="http://schemas.microsoft.com/office/drawing/2014/main" xmlns="" id="{8BBB1053-8B1D-4C3E-841D-9D8A78960D4A}"/>
               </a:ext>
             </a:extLst>
           </p:cNvPr>
@@ -10026,7 +10918,7 @@
           <p:cNvPr id="11" name="צורה חופשית: צורה 10">
             <a:extLst>
               <a:ext uri="{FF2B5EF4-FFF2-40B4-BE49-F238E27FC236}">
-                <a16:creationId xmlns:a16="http://schemas.microsoft.com/office/drawing/2014/main" id="{73AEB7F9-AEAD-4A45-B643-A33F0B554EE2}"/>
+                <a16:creationId xmlns:a16="http://schemas.microsoft.com/office/drawing/2014/main" xmlns="" id="{73AEB7F9-AEAD-4A45-B643-A33F0B554EE2}"/>
               </a:ext>
             </a:extLst>
           </p:cNvPr>
@@ -10149,7 +11041,7 @@
           <p:cNvPr id="12" name="צורה חופשית: צורה 11">
             <a:extLst>
               <a:ext uri="{FF2B5EF4-FFF2-40B4-BE49-F238E27FC236}">
-                <a16:creationId xmlns:a16="http://schemas.microsoft.com/office/drawing/2014/main" id="{36BAF963-F161-4B01-87BC-E6FA9C95F372}"/>
+                <a16:creationId xmlns:a16="http://schemas.microsoft.com/office/drawing/2014/main" xmlns="" id="{36BAF963-F161-4B01-87BC-E6FA9C95F372}"/>
               </a:ext>
             </a:extLst>
           </p:cNvPr>
@@ -10277,7 +11169,7 @@
           <p:cNvPr id="13" name="צורה חופשית: צורה 12">
             <a:extLst>
               <a:ext uri="{FF2B5EF4-FFF2-40B4-BE49-F238E27FC236}">
-                <a16:creationId xmlns:a16="http://schemas.microsoft.com/office/drawing/2014/main" id="{C2660775-595C-4787-8E98-34B2F61C3D4E}"/>
+                <a16:creationId xmlns:a16="http://schemas.microsoft.com/office/drawing/2014/main" xmlns="" id="{C2660775-595C-4787-8E98-34B2F61C3D4E}"/>
               </a:ext>
             </a:extLst>
           </p:cNvPr>
@@ -10385,7 +11277,7 @@
           <p:cNvPr id="14" name="צורה חופשית: צורה 13">
             <a:extLst>
               <a:ext uri="{FF2B5EF4-FFF2-40B4-BE49-F238E27FC236}">
-                <a16:creationId xmlns:a16="http://schemas.microsoft.com/office/drawing/2014/main" id="{833ABD4E-4516-4E78-BC5A-10C8B75E792D}"/>
+                <a16:creationId xmlns:a16="http://schemas.microsoft.com/office/drawing/2014/main" xmlns="" id="{833ABD4E-4516-4E78-BC5A-10C8B75E792D}"/>
               </a:ext>
             </a:extLst>
           </p:cNvPr>
@@ -10934,7 +11826,7 @@
   <a:extraClrSchemeLst/>
   <a:extLst>
     <a:ext uri="{05A4C25C-085E-4340-85A3-A5531E510DB2}">
-      <thm15:themeFamily xmlns:thm15="http://schemas.microsoft.com/office/thememl/2012/main" name="openideal1" id="{DEF70830-3ADA-4574-8083-905AE6ADB25F}" vid="{706CF4EB-5309-4C74-A64E-CC3F7860F809}"/>
+      <thm15:themeFamily xmlns:thm15="http://schemas.microsoft.com/office/thememl/2012/main" xmlns="" name="openideal1" id="{DEF70830-3ADA-4574-8083-905AE6ADB25F}" vid="{706CF4EB-5309-4C74-A64E-CC3F7860F809}"/>
     </a:ext>
   </a:extLst>
 </a:theme>
